--- a/IB API Trading System.pptx
+++ b/IB API Trading System.pptx
@@ -115,6 +115,11 @@
       </a:defRPr>
     </a:lvl9pPr>
   </p:defaultTextStyle>
+  <p:extLst>
+    <p:ext uri="{EFAFB233-063F-42B5-8137-9DF3F51BA10A}">
+      <p15:sldGuideLst xmlns:p15="http://schemas.microsoft.com/office/powerpoint/2012/main"/>
+    </p:ext>
+  </p:extLst>
 </p:presentation>
 </file>
 
@@ -303,7 +308,7 @@
           <a:p>
             <a:fld id="{88D38747-4367-4BD2-8D51-C97E202738E2}" type="datetime1">
               <a:rPr lang="en-US" smtClean="0"/>
-              <a:t>4/24/2020</a:t>
+              <a:t>4/25/2020</a:t>
             </a:fld>
             <a:endParaRPr lang="en-US" dirty="0"/>
           </a:p>
@@ -608,7 +613,7 @@
           <a:p>
             <a:fld id="{11F1B079-7EF0-44EE-B798-BCC497C9F3B2}" type="datetime1">
               <a:rPr lang="en-US" smtClean="0"/>
-              <a:t>4/24/2020</a:t>
+              <a:t>4/25/2020</a:t>
             </a:fld>
             <a:endParaRPr lang="en-US" dirty="0"/>
           </a:p>
@@ -802,7 +807,7 @@
           <a:p>
             <a:fld id="{28FF70A8-1D13-4657-95F0-A9EA54967B8D}" type="datetime1">
               <a:rPr lang="en-US" smtClean="0"/>
-              <a:t>4/24/2020</a:t>
+              <a:t>4/25/2020</a:t>
             </a:fld>
             <a:endParaRPr lang="en-US" dirty="0"/>
           </a:p>
@@ -1065,7 +1070,7 @@
           <a:p>
             <a:fld id="{21EB90AC-71BD-4C7F-8ACA-7B3F18292E63}" type="datetime1">
               <a:rPr lang="en-US" smtClean="0"/>
-              <a:t>4/24/2020</a:t>
+              <a:t>4/25/2020</a:t>
             </a:fld>
             <a:endParaRPr lang="en-US" dirty="0"/>
           </a:p>
@@ -1501,7 +1506,7 @@
           <a:p>
             <a:fld id="{4E6EFC2C-8905-46F0-B443-CE905B76BA01}" type="datetime1">
               <a:rPr lang="en-US" smtClean="0"/>
-              <a:t>4/24/2020</a:t>
+              <a:t>4/25/2020</a:t>
             </a:fld>
             <a:endParaRPr lang="en-US" dirty="0"/>
           </a:p>
@@ -2038,7 +2043,7 @@
           <a:p>
             <a:fld id="{D9079DC3-C9B5-499E-9140-0DC28B7074E2}" type="datetime1">
               <a:rPr lang="en-US" smtClean="0"/>
-              <a:t>4/24/2020</a:t>
+              <a:t>4/25/2020</a:t>
             </a:fld>
             <a:endParaRPr lang="en-US" dirty="0"/>
           </a:p>
@@ -2920,7 +2925,7 @@
           <a:p>
             <a:fld id="{30BB33EA-E472-4D22-9C03-A9C14AA21CED}" type="datetime1">
               <a:rPr lang="en-US" smtClean="0"/>
-              <a:t>4/24/2020</a:t>
+              <a:t>4/25/2020</a:t>
             </a:fld>
             <a:endParaRPr lang="en-US" dirty="0"/>
           </a:p>
@@ -3090,7 +3095,7 @@
           <a:p>
             <a:fld id="{217E833E-1B6D-415F-AD29-75AE8C43BD0D}" type="datetime1">
               <a:rPr lang="en-US" smtClean="0"/>
-              <a:t>4/24/2020</a:t>
+              <a:t>4/25/2020</a:t>
             </a:fld>
             <a:endParaRPr lang="en-US" dirty="0"/>
           </a:p>
@@ -3274,7 +3279,7 @@
           <a:p>
             <a:fld id="{8452596F-08A7-4B70-989A-F2B1CF31E66B}" type="datetime1">
               <a:rPr lang="en-US" smtClean="0"/>
-              <a:t>4/24/2020</a:t>
+              <a:t>4/25/2020</a:t>
             </a:fld>
             <a:endParaRPr lang="en-US" dirty="0"/>
           </a:p>
@@ -3444,7 +3449,7 @@
           <a:p>
             <a:fld id="{73C55A3C-5767-4844-A0A3-83778C2E5409}" type="datetime1">
               <a:rPr lang="en-US" smtClean="0"/>
-              <a:t>4/24/2020</a:t>
+              <a:t>4/25/2020</a:t>
             </a:fld>
             <a:endParaRPr lang="en-US" dirty="0"/>
           </a:p>
@@ -3688,7 +3693,7 @@
           <a:p>
             <a:fld id="{CAE507A8-A5CF-4D38-AB86-7EDDA87A85D4}" type="datetime1">
               <a:rPr lang="en-US" smtClean="0"/>
-              <a:t>4/24/2020</a:t>
+              <a:t>4/25/2020</a:t>
             </a:fld>
             <a:endParaRPr lang="en-US" dirty="0"/>
           </a:p>
@@ -3930,7 +3935,7 @@
           <a:p>
             <a:fld id="{BDFCD27C-8599-43EF-BA1D-14DDC1946E06}" type="datetime1">
               <a:rPr lang="en-US" smtClean="0"/>
-              <a:t>4/24/2020</a:t>
+              <a:t>4/25/2020</a:t>
             </a:fld>
             <a:endParaRPr lang="en-US" dirty="0"/>
           </a:p>
@@ -4411,7 +4416,7 @@
           <a:p>
             <a:fld id="{49343D99-809A-49C0-96E5-4250D0B498EE}" type="datetime1">
               <a:rPr lang="en-US" smtClean="0"/>
-              <a:t>4/24/2020</a:t>
+              <a:t>4/25/2020</a:t>
             </a:fld>
             <a:endParaRPr lang="en-US" dirty="0"/>
           </a:p>
@@ -4529,7 +4534,7 @@
           <a:p>
             <a:fld id="{A143DE9B-B678-4EFB-BB7D-A4370204A0B0}" type="datetime1">
               <a:rPr lang="en-US" smtClean="0"/>
-              <a:t>4/24/2020</a:t>
+              <a:t>4/25/2020</a:t>
             </a:fld>
             <a:endParaRPr lang="en-US" dirty="0"/>
           </a:p>
@@ -4624,7 +4629,7 @@
           <a:p>
             <a:fld id="{E68812DA-F765-4142-A6A3-A8ED7235E082}" type="datetime1">
               <a:rPr lang="en-US" smtClean="0"/>
-              <a:t>4/24/2020</a:t>
+              <a:t>4/25/2020</a:t>
             </a:fld>
             <a:endParaRPr lang="en-US" dirty="0"/>
           </a:p>
@@ -4879,7 +4884,7 @@
           <a:p>
             <a:fld id="{3E0277FD-7DE6-41D4-930D-AC99F5AFE54E}" type="datetime1">
               <a:rPr lang="en-US" smtClean="0"/>
-              <a:t>4/24/2020</a:t>
+              <a:t>4/25/2020</a:t>
             </a:fld>
             <a:endParaRPr lang="en-US" dirty="0"/>
           </a:p>
@@ -5186,7 +5191,7 @@
           <a:p>
             <a:fld id="{9EA15526-7079-4B7B-987C-1B5FAE11A0FF}" type="datetime1">
               <a:rPr lang="en-US" smtClean="0"/>
-              <a:t>4/24/2020</a:t>
+              <a:t>4/25/2020</a:t>
             </a:fld>
             <a:endParaRPr lang="en-US" dirty="0"/>
           </a:p>
@@ -5421,7 +5426,7 @@
           <a:p>
             <a:fld id="{073ED0CC-082F-4160-86E5-0D6041F12778}" type="datetime1">
               <a:rPr lang="en-US" smtClean="0"/>
-              <a:t>4/24/2020</a:t>
+              <a:t>4/25/2020</a:t>
             </a:fld>
             <a:endParaRPr lang="en-US" dirty="0"/>
           </a:p>
@@ -6309,10 +6314,137 @@
           </a:xfrm>
         </p:spPr>
         <p:txBody>
-          <a:bodyPr/>
-          <a:lstStyle/>
-          <a:p>
-            <a:endParaRPr lang="en-US" dirty="0"/>
+          <a:bodyPr>
+            <a:normAutofit/>
+          </a:bodyPr>
+          <a:lstStyle/>
+          <a:p>
+            <a:r>
+              <a:rPr lang="en-US" sz="2800" dirty="0"/>
+              <a:t>The </a:t>
+            </a:r>
+            <a:r>
+              <a:rPr lang="en-US" sz="2800" dirty="0">
+                <a:solidFill>
+                  <a:srgbClr val="62D88C"/>
+                </a:solidFill>
+              </a:rPr>
+              <a:t>trade log </a:t>
+            </a:r>
+            <a:r>
+              <a:rPr lang="en-US" sz="2800" dirty="0"/>
+              <a:t>holds all the users buys and sells which include details of the </a:t>
+            </a:r>
+            <a:r>
+              <a:rPr lang="en-US" sz="2800" dirty="0" err="1">
+                <a:solidFill>
+                  <a:srgbClr val="62D88C"/>
+                </a:solidFill>
+              </a:rPr>
+              <a:t>orderId</a:t>
+            </a:r>
+            <a:r>
+              <a:rPr lang="en-US" sz="2800" dirty="0"/>
+              <a:t>,</a:t>
+            </a:r>
+            <a:r>
+              <a:rPr lang="en-US" sz="2800" dirty="0">
+                <a:solidFill>
+                  <a:schemeClr val="accent6">
+                    <a:lumMod val="60000"/>
+                    <a:lumOff val="40000"/>
+                  </a:schemeClr>
+                </a:solidFill>
+              </a:rPr>
+              <a:t> </a:t>
+            </a:r>
+            <a:r>
+              <a:rPr lang="en-US" sz="2800" dirty="0">
+                <a:solidFill>
+                  <a:srgbClr val="62D88C"/>
+                </a:solidFill>
+              </a:rPr>
+              <a:t>stock</a:t>
+            </a:r>
+            <a:r>
+              <a:rPr lang="en-US" sz="2800" dirty="0"/>
+              <a:t>,</a:t>
+            </a:r>
+            <a:r>
+              <a:rPr lang="en-US" sz="2800" dirty="0">
+                <a:solidFill>
+                  <a:schemeClr val="accent6">
+                    <a:lumMod val="60000"/>
+                    <a:lumOff val="40000"/>
+                  </a:schemeClr>
+                </a:solidFill>
+              </a:rPr>
+              <a:t> </a:t>
+            </a:r>
+            <a:r>
+              <a:rPr lang="en-US" sz="2800" dirty="0">
+                <a:solidFill>
+                  <a:srgbClr val="62D88C"/>
+                </a:solidFill>
+              </a:rPr>
+              <a:t>price</a:t>
+            </a:r>
+            <a:r>
+              <a:rPr lang="en-US" sz="2800" dirty="0"/>
+              <a:t>,</a:t>
+            </a:r>
+            <a:r>
+              <a:rPr lang="en-US" sz="2800" dirty="0">
+                <a:solidFill>
+                  <a:schemeClr val="accent6">
+                    <a:lumMod val="60000"/>
+                    <a:lumOff val="40000"/>
+                  </a:schemeClr>
+                </a:solidFill>
+              </a:rPr>
+              <a:t> </a:t>
+            </a:r>
+            <a:r>
+              <a:rPr lang="en-US" sz="2800" dirty="0"/>
+              <a:t>and</a:t>
+            </a:r>
+            <a:r>
+              <a:rPr lang="en-US" sz="2800" dirty="0">
+                <a:solidFill>
+                  <a:schemeClr val="accent6">
+                    <a:lumMod val="60000"/>
+                    <a:lumOff val="40000"/>
+                  </a:schemeClr>
+                </a:solidFill>
+              </a:rPr>
+              <a:t> </a:t>
+            </a:r>
+            <a:r>
+              <a:rPr lang="en-US" sz="2800" dirty="0">
+                <a:solidFill>
+                  <a:srgbClr val="62D88C"/>
+                </a:solidFill>
+              </a:rPr>
+              <a:t>quantity</a:t>
+            </a:r>
+          </a:p>
+          <a:p>
+            <a:r>
+              <a:rPr lang="en-US" sz="2800" dirty="0"/>
+              <a:t>The </a:t>
+            </a:r>
+            <a:r>
+              <a:rPr lang="en-US" sz="2800" dirty="0">
+                <a:solidFill>
+                  <a:srgbClr val="62D88C"/>
+                </a:solidFill>
+              </a:rPr>
+              <a:t>trade log </a:t>
+            </a:r>
+            <a:r>
+              <a:rPr lang="en-US" sz="2800" dirty="0"/>
+              <a:t>also holds the information of the most recent order and its current status</a:t>
+            </a:r>
           </a:p>
         </p:txBody>
       </p:sp>
@@ -7176,7 +7308,7 @@
         </p:nvSpPr>
         <p:spPr>
           <a:xfrm>
-            <a:off x="8634501" y="4077762"/>
+            <a:off x="8634501" y="4064510"/>
             <a:ext cx="1128162" cy="369332"/>
           </a:xfrm>
           <a:prstGeom prst="rect">
@@ -7212,7 +7344,7 @@
         </p:nvSpPr>
         <p:spPr>
           <a:xfrm>
-            <a:off x="8684086" y="3075644"/>
+            <a:off x="8684086" y="3088896"/>
             <a:ext cx="861276" cy="369332"/>
           </a:xfrm>
           <a:prstGeom prst="rect">
@@ -7707,7 +7839,7 @@
         </p:nvSpPr>
         <p:spPr>
           <a:xfrm>
-            <a:off x="8376970" y="3081807"/>
+            <a:off x="8376970" y="3095059"/>
             <a:ext cx="1404731" cy="369332"/>
           </a:xfrm>
           <a:prstGeom prst="rect">
@@ -8106,7 +8238,19 @@
             </a:r>
             <a:r>
               <a:rPr lang="en-US" sz="3200" dirty="0"/>
-              <a:t> that is being used in this trading system is PyQt5 which has many great systems and applications</a:t>
+              <a:t> that is being used in this trading system is </a:t>
+            </a:r>
+            <a:r>
+              <a:rPr lang="en-US" sz="3200" dirty="0">
+                <a:solidFill>
+                  <a:srgbClr val="62D88C"/>
+                </a:solidFill>
+              </a:rPr>
+              <a:t>PyQt5 </a:t>
+            </a:r>
+            <a:r>
+              <a:rPr lang="en-US" sz="3200" dirty="0"/>
+              <a:t>which has many great systems and applications</a:t>
             </a:r>
           </a:p>
           <a:p>
@@ -8117,10 +8261,7 @@
             <a:r>
               <a:rPr lang="en-US" sz="3200" dirty="0" err="1">
                 <a:solidFill>
-                  <a:schemeClr val="accent6">
-                    <a:lumMod val="60000"/>
-                    <a:lumOff val="40000"/>
-                  </a:schemeClr>
+                  <a:srgbClr val="62D88C"/>
                 </a:solidFill>
               </a:rPr>
               <a:t>QTableWidget</a:t>
@@ -8132,10 +8273,7 @@
             <a:r>
               <a:rPr lang="en-US" sz="3200" dirty="0" err="1">
                 <a:solidFill>
-                  <a:schemeClr val="accent6">
-                    <a:lumMod val="60000"/>
-                    <a:lumOff val="40000"/>
-                  </a:schemeClr>
+                  <a:srgbClr val="62D88C"/>
                 </a:solidFill>
               </a:rPr>
               <a:t>PlotWidget</a:t>
@@ -8147,10 +8285,7 @@
             <a:r>
               <a:rPr lang="en-US" sz="3200" dirty="0" err="1">
                 <a:solidFill>
-                  <a:schemeClr val="accent6">
-                    <a:lumMod val="60000"/>
-                    <a:lumOff val="40000"/>
-                  </a:schemeClr>
+                  <a:srgbClr val="62D88C"/>
                 </a:solidFill>
               </a:rPr>
               <a:t>QLineEdit</a:t>
@@ -8162,10 +8297,7 @@
             <a:r>
               <a:rPr lang="en-US" sz="3200" dirty="0" err="1">
                 <a:solidFill>
-                  <a:schemeClr val="accent6">
-                    <a:lumMod val="60000"/>
-                    <a:lumOff val="40000"/>
-                  </a:schemeClr>
+                  <a:srgbClr val="62D88C"/>
                 </a:solidFill>
               </a:rPr>
               <a:t>QPushButtom</a:t>
@@ -8361,20 +8493,14 @@
             <a:r>
               <a:rPr lang="en-US" sz="2800" dirty="0" err="1">
                 <a:solidFill>
-                  <a:schemeClr val="accent6">
-                    <a:lumMod val="60000"/>
-                    <a:lumOff val="40000"/>
-                  </a:schemeClr>
+                  <a:srgbClr val="62D88C"/>
                 </a:solidFill>
               </a:rPr>
               <a:t>QtDesigner</a:t>
             </a:r>
             <a:endParaRPr lang="en-US" sz="2800" dirty="0">
               <a:solidFill>
-                <a:schemeClr val="accent6">
-                  <a:lumMod val="60000"/>
-                  <a:lumOff val="40000"/>
-                </a:schemeClr>
+                <a:srgbClr val="62D88C"/>
               </a:solidFill>
             </a:endParaRPr>
           </a:p>
@@ -8396,17 +8522,22 @@
             <a:r>
               <a:rPr lang="en-US" sz="2800" dirty="0" err="1">
                 <a:solidFill>
-                  <a:schemeClr val="accent6">
-                    <a:lumMod val="60000"/>
-                    <a:lumOff val="40000"/>
-                  </a:schemeClr>
+                  <a:srgbClr val="62D88C"/>
                 </a:solidFill>
               </a:rPr>
               <a:t>QtDesigner</a:t>
             </a:r>
             <a:r>
+              <a:rPr lang="en-US" sz="2800" dirty="0">
+                <a:solidFill>
+                  <a:srgbClr val="62D88C"/>
+                </a:solidFill>
+              </a:rPr>
+              <a:t> </a:t>
+            </a:r>
+            <a:r>
               <a:rPr lang="en-US" sz="2800" dirty="0"/>
-              <a:t> allows for an easy quick design</a:t>
+              <a:t>allows for an easy quick design</a:t>
             </a:r>
           </a:p>
         </p:txBody>
@@ -8576,7 +8707,7 @@
                   <a:srgbClr val="FFC000"/>
                 </a:solidFill>
               </a:rPr>
-              <a:t>MyApp</a:t>
+              <a:t>TradingGUI</a:t>
             </a:r>
             <a:r>
               <a:rPr lang="en-US" sz="2400" dirty="0"/>
@@ -8590,7 +8721,7 @@
                   <a:srgbClr val="FFC000"/>
                 </a:solidFill>
               </a:rPr>
-              <a:t>MyApp</a:t>
+              <a:t>TradingGUI</a:t>
             </a:r>
             <a:r>
               <a:rPr lang="en-US" sz="2400" dirty="0"/>
@@ -8611,20 +8742,14 @@
             <a:r>
               <a:rPr lang="en-US" sz="2400" dirty="0" err="1">
                 <a:solidFill>
-                  <a:schemeClr val="accent6">
-                    <a:lumMod val="60000"/>
-                    <a:lumOff val="40000"/>
-                  </a:schemeClr>
+                  <a:srgbClr val="62D88C"/>
                 </a:solidFill>
               </a:rPr>
               <a:t>QTimer</a:t>
             </a:r>
             <a:endParaRPr lang="en-US" sz="2400" dirty="0">
               <a:solidFill>
-                <a:schemeClr val="accent6">
-                  <a:lumMod val="60000"/>
-                  <a:lumOff val="40000"/>
-                </a:schemeClr>
+                <a:srgbClr val="62D88C"/>
               </a:solidFill>
             </a:endParaRPr>
           </a:p>
@@ -8648,10 +8773,7 @@
             <a:r>
               <a:rPr lang="en-US" sz="2400" dirty="0" err="1">
                 <a:solidFill>
-                  <a:schemeClr val="accent6">
-                    <a:lumMod val="60000"/>
-                    <a:lumOff val="40000"/>
-                  </a:schemeClr>
+                  <a:srgbClr val="62D88C"/>
                 </a:solidFill>
               </a:rPr>
               <a:t>QThread</a:t>
@@ -8695,10 +8817,10 @@
       </p:pic>
       <p:pic>
         <p:nvPicPr>
-          <p:cNvPr id="6" name="Picture 5">
+          <p:cNvPr id="7" name="Picture 6">
             <a:extLst>
               <a:ext uri="{FF2B5EF4-FFF2-40B4-BE49-F238E27FC236}">
-                <a16:creationId xmlns:a16="http://schemas.microsoft.com/office/drawing/2014/main" id="{2154172E-F911-4BF7-9A68-DF746296FF5D}"/>
+                <a16:creationId xmlns:a16="http://schemas.microsoft.com/office/drawing/2014/main" id="{588CFF48-B182-4FE9-A551-D31B554162E7}"/>
               </a:ext>
             </a:extLst>
           </p:cNvPr>
@@ -8715,37 +8837,7 @@
         </p:blipFill>
         <p:spPr>
           <a:xfrm>
-            <a:off x="6993450" y="1540668"/>
-            <a:ext cx="4191000" cy="1181100"/>
-          </a:xfrm>
-          <a:prstGeom prst="rect">
-            <a:avLst/>
-          </a:prstGeom>
-        </p:spPr>
-      </p:pic>
-      <p:pic>
-        <p:nvPicPr>
-          <p:cNvPr id="7" name="Picture 6">
-            <a:extLst>
-              <a:ext uri="{FF2B5EF4-FFF2-40B4-BE49-F238E27FC236}">
-                <a16:creationId xmlns:a16="http://schemas.microsoft.com/office/drawing/2014/main" id="{588CFF48-B182-4FE9-A551-D31B554162E7}"/>
-              </a:ext>
-            </a:extLst>
-          </p:cNvPr>
-          <p:cNvPicPr>
-            <a:picLocks noChangeAspect="1"/>
-          </p:cNvPicPr>
-          <p:nvPr/>
-        </p:nvPicPr>
-        <p:blipFill>
-          <a:blip r:embed="rId4"/>
-          <a:stretch>
-            <a:fillRect/>
-          </a:stretch>
-        </p:blipFill>
-        <p:spPr>
-          <a:xfrm>
-            <a:off x="7042406" y="3088481"/>
+            <a:off x="6997650" y="3302026"/>
             <a:ext cx="4095750" cy="419100"/>
           </a:xfrm>
           <a:prstGeom prst="rect">
@@ -8805,6 +8897,36 @@
           </a:p>
         </p:txBody>
       </p:sp>
+      <p:pic>
+        <p:nvPicPr>
+          <p:cNvPr id="9" name="Picture 8">
+            <a:extLst>
+              <a:ext uri="{FF2B5EF4-FFF2-40B4-BE49-F238E27FC236}">
+                <a16:creationId xmlns:a16="http://schemas.microsoft.com/office/drawing/2014/main" id="{C2913573-0E21-4A4B-BEAF-C10A701CA6DB}"/>
+              </a:ext>
+            </a:extLst>
+          </p:cNvPr>
+          <p:cNvPicPr>
+            <a:picLocks noChangeAspect="1"/>
+          </p:cNvPicPr>
+          <p:nvPr/>
+        </p:nvPicPr>
+        <p:blipFill>
+          <a:blip r:embed="rId4"/>
+          <a:stretch>
+            <a:fillRect/>
+          </a:stretch>
+        </p:blipFill>
+        <p:spPr>
+          <a:xfrm>
+            <a:off x="6907163" y="1384275"/>
+            <a:ext cx="4276725" cy="1752600"/>
+          </a:xfrm>
+          <a:prstGeom prst="rect">
+            <a:avLst/>
+          </a:prstGeom>
+        </p:spPr>
+      </p:pic>
     </p:spTree>
     <p:extLst>
       <p:ext uri="{BB962C8B-B14F-4D97-AF65-F5344CB8AC3E}">
@@ -8868,6 +8990,40 @@
           </a:p>
         </p:txBody>
       </p:sp>
+      <p:sp>
+        <p:nvSpPr>
+          <p:cNvPr id="4" name="Rectangle 3">
+            <a:extLst>
+              <a:ext uri="{FF2B5EF4-FFF2-40B4-BE49-F238E27FC236}">
+                <a16:creationId xmlns:a16="http://schemas.microsoft.com/office/drawing/2014/main" id="{945BD419-9668-4938-87FC-B204223FAA73}"/>
+              </a:ext>
+            </a:extLst>
+          </p:cNvPr>
+          <p:cNvSpPr/>
+          <p:nvPr/>
+        </p:nvSpPr>
+        <p:spPr>
+          <a:xfrm>
+            <a:off x="3709249" y="5902044"/>
+            <a:ext cx="4762854" cy="523220"/>
+          </a:xfrm>
+          <a:prstGeom prst="rect">
+            <a:avLst/>
+          </a:prstGeom>
+        </p:spPr>
+        <p:txBody>
+          <a:bodyPr wrap="square">
+            <a:spAutoFit/>
+          </a:bodyPr>
+          <a:lstStyle/>
+          <a:p>
+            <a:r>
+              <a:rPr lang="en-US" sz="2800" dirty="0"/>
+              <a:t>Now let's dig into how it works!</a:t>
+            </a:r>
+          </a:p>
+        </p:txBody>
+      </p:sp>
     </p:spTree>
     <p:extLst>
       <p:ext uri="{BB962C8B-B14F-4D97-AF65-F5344CB8AC3E}">
@@ -8954,9 +9110,255 @@
           </a:xfrm>
         </p:spPr>
         <p:txBody>
-          <a:bodyPr/>
-          <a:lstStyle/>
-          <a:p>
+          <a:bodyPr>
+            <a:normAutofit/>
+          </a:bodyPr>
+          <a:lstStyle/>
+          <a:p>
+            <a:r>
+              <a:rPr lang="en-US" sz="2400" dirty="0"/>
+              <a:t>In the top left corner the user can input the </a:t>
+            </a:r>
+            <a:r>
+              <a:rPr lang="en-US" sz="2400" dirty="0">
+                <a:solidFill>
+                  <a:srgbClr val="00B050"/>
+                </a:solidFill>
+              </a:rPr>
+              <a:t>short window </a:t>
+            </a:r>
+            <a:r>
+              <a:rPr lang="en-US" sz="2400" dirty="0"/>
+              <a:t>and </a:t>
+            </a:r>
+            <a:r>
+              <a:rPr lang="en-US" sz="2400" dirty="0">
+                <a:solidFill>
+                  <a:srgbClr val="FF0000"/>
+                </a:solidFill>
+              </a:rPr>
+              <a:t>long window </a:t>
+            </a:r>
+            <a:r>
+              <a:rPr lang="en-US" sz="2400" dirty="0"/>
+              <a:t>sizes</a:t>
+            </a:r>
+          </a:p>
+          <a:p>
+            <a:r>
+              <a:rPr lang="en-US" sz="2400" dirty="0"/>
+              <a:t>The user will also input the </a:t>
+            </a:r>
+            <a:r>
+              <a:rPr lang="en-US" sz="2400" dirty="0">
+                <a:solidFill>
+                  <a:srgbClr val="0070C0"/>
+                </a:solidFill>
+              </a:rPr>
+              <a:t>stock ticker</a:t>
+            </a:r>
+          </a:p>
+          <a:p>
+            <a:r>
+              <a:rPr lang="en-US" sz="2400" dirty="0"/>
+              <a:t>After inputting the above information, the user can press </a:t>
+            </a:r>
+            <a:r>
+              <a:rPr lang="en-US" sz="2400" dirty="0">
+                <a:solidFill>
+                  <a:srgbClr val="62D88C"/>
+                </a:solidFill>
+              </a:rPr>
+              <a:t>connect </a:t>
+            </a:r>
+            <a:r>
+              <a:rPr lang="en-US" sz="2400" dirty="0"/>
+              <a:t>to initiate a connection to TWS and the strategy will start running</a:t>
+            </a:r>
+          </a:p>
+          <a:p>
+            <a:r>
+              <a:rPr lang="en-US" sz="2400" dirty="0"/>
+              <a:t>The user can then hit </a:t>
+            </a:r>
+            <a:r>
+              <a:rPr lang="en-US" sz="2400" dirty="0">
+                <a:solidFill>
+                  <a:srgbClr val="FFDE75"/>
+                </a:solidFill>
+              </a:rPr>
+              <a:t>disconnect</a:t>
+            </a:r>
+            <a:r>
+              <a:rPr lang="en-US" sz="2400" dirty="0"/>
+              <a:t> which will stop the strategy and cancel all open orders</a:t>
+            </a:r>
+          </a:p>
+          <a:p>
+            <a:endParaRPr lang="en-US" sz="2400" dirty="0"/>
+          </a:p>
+        </p:txBody>
+      </p:sp>
+      <p:pic>
+        <p:nvPicPr>
+          <p:cNvPr id="4" name="Picture 3">
+            <a:extLst>
+              <a:ext uri="{FF2B5EF4-FFF2-40B4-BE49-F238E27FC236}">
+                <a16:creationId xmlns:a16="http://schemas.microsoft.com/office/drawing/2014/main" id="{E34C3CA2-4F57-4560-9964-0264CC265082}"/>
+              </a:ext>
+            </a:extLst>
+          </p:cNvPr>
+          <p:cNvPicPr>
+            <a:picLocks noChangeAspect="1"/>
+          </p:cNvPicPr>
+          <p:nvPr/>
+        </p:nvPicPr>
+        <p:blipFill>
+          <a:blip r:embed="rId2"/>
+          <a:stretch>
+            <a:fillRect/>
+          </a:stretch>
+        </p:blipFill>
+        <p:spPr>
+          <a:xfrm>
+            <a:off x="7038457" y="1833562"/>
+            <a:ext cx="4229100" cy="1133475"/>
+          </a:xfrm>
+          <a:prstGeom prst="rect">
+            <a:avLst/>
+          </a:prstGeom>
+        </p:spPr>
+      </p:pic>
+      <p:pic>
+        <p:nvPicPr>
+          <p:cNvPr id="5" name="Picture 4">
+            <a:extLst>
+              <a:ext uri="{FF2B5EF4-FFF2-40B4-BE49-F238E27FC236}">
+                <a16:creationId xmlns:a16="http://schemas.microsoft.com/office/drawing/2014/main" id="{688E9E1A-0C05-47D1-B730-2C917616F1EA}"/>
+              </a:ext>
+            </a:extLst>
+          </p:cNvPr>
+          <p:cNvPicPr>
+            <a:picLocks noChangeAspect="1"/>
+          </p:cNvPicPr>
+          <p:nvPr/>
+        </p:nvPicPr>
+        <p:blipFill>
+          <a:blip r:embed="rId3"/>
+          <a:stretch>
+            <a:fillRect/>
+          </a:stretch>
+        </p:blipFill>
+        <p:spPr>
+          <a:xfrm>
+            <a:off x="6981305" y="4676774"/>
+            <a:ext cx="4343400" cy="609600"/>
+          </a:xfrm>
+          <a:prstGeom prst="rect">
+            <a:avLst/>
+          </a:prstGeom>
+        </p:spPr>
+      </p:pic>
+      <p:sp>
+        <p:nvSpPr>
+          <p:cNvPr id="6" name="Rectangle 5">
+            <a:extLst>
+              <a:ext uri="{FF2B5EF4-FFF2-40B4-BE49-F238E27FC236}">
+                <a16:creationId xmlns:a16="http://schemas.microsoft.com/office/drawing/2014/main" id="{A1F83529-2BDA-4A57-B741-1325509E0B66}"/>
+              </a:ext>
+            </a:extLst>
+          </p:cNvPr>
+          <p:cNvSpPr/>
+          <p:nvPr/>
+        </p:nvSpPr>
+        <p:spPr>
+          <a:xfrm>
+            <a:off x="6768865" y="1545430"/>
+            <a:ext cx="4768283" cy="1709737"/>
+          </a:xfrm>
+          <a:prstGeom prst="rect">
+            <a:avLst/>
+          </a:prstGeom>
+          <a:noFill/>
+          <a:ln>
+            <a:solidFill>
+              <a:schemeClr val="tx1"/>
+            </a:solidFill>
+          </a:ln>
+        </p:spPr>
+        <p:style>
+          <a:lnRef idx="2">
+            <a:schemeClr val="accent1">
+              <a:shade val="50000"/>
+            </a:schemeClr>
+          </a:lnRef>
+          <a:fillRef idx="1">
+            <a:schemeClr val="accent1"/>
+          </a:fillRef>
+          <a:effectRef idx="0">
+            <a:schemeClr val="accent1"/>
+          </a:effectRef>
+          <a:fontRef idx="minor">
+            <a:schemeClr val="lt1"/>
+          </a:fontRef>
+        </p:style>
+        <p:txBody>
+          <a:bodyPr rtlCol="0" anchor="ctr"/>
+          <a:lstStyle/>
+          <a:p>
+            <a:pPr algn="ctr"/>
+            <a:endParaRPr lang="en-US"/>
+          </a:p>
+        </p:txBody>
+      </p:sp>
+      <p:sp>
+        <p:nvSpPr>
+          <p:cNvPr id="7" name="Rectangle 6">
+            <a:extLst>
+              <a:ext uri="{FF2B5EF4-FFF2-40B4-BE49-F238E27FC236}">
+                <a16:creationId xmlns:a16="http://schemas.microsoft.com/office/drawing/2014/main" id="{93986685-1EEB-49B3-A430-8447CCD32883}"/>
+              </a:ext>
+            </a:extLst>
+          </p:cNvPr>
+          <p:cNvSpPr/>
+          <p:nvPr/>
+        </p:nvSpPr>
+        <p:spPr>
+          <a:xfrm>
+            <a:off x="6768865" y="4352924"/>
+            <a:ext cx="4768282" cy="1257300"/>
+          </a:xfrm>
+          <a:prstGeom prst="rect">
+            <a:avLst/>
+          </a:prstGeom>
+          <a:noFill/>
+          <a:ln>
+            <a:solidFill>
+              <a:schemeClr val="tx1"/>
+            </a:solidFill>
+          </a:ln>
+        </p:spPr>
+        <p:style>
+          <a:lnRef idx="2">
+            <a:schemeClr val="accent1">
+              <a:shade val="50000"/>
+            </a:schemeClr>
+          </a:lnRef>
+          <a:fillRef idx="1">
+            <a:schemeClr val="accent1"/>
+          </a:fillRef>
+          <a:effectRef idx="0">
+            <a:schemeClr val="accent1"/>
+          </a:effectRef>
+          <a:fontRef idx="minor">
+            <a:schemeClr val="lt1"/>
+          </a:fontRef>
+        </p:style>
+        <p:txBody>
+          <a:bodyPr rtlCol="0" anchor="ctr"/>
+          <a:lstStyle/>
+          <a:p>
+            <a:pPr algn="ctr"/>
             <a:endParaRPr lang="en-US"/>
           </a:p>
         </p:txBody>

--- a/IB API Trading System.pptx
+++ b/IB API Trading System.pptx
@@ -12,11 +12,12 @@
     <p:sldId id="260" r:id="rId6"/>
     <p:sldId id="261" r:id="rId7"/>
     <p:sldId id="262" r:id="rId8"/>
-    <p:sldId id="263" r:id="rId9"/>
-    <p:sldId id="264" r:id="rId10"/>
-    <p:sldId id="265" r:id="rId11"/>
-    <p:sldId id="266" r:id="rId12"/>
-    <p:sldId id="267" r:id="rId13"/>
+    <p:sldId id="268" r:id="rId9"/>
+    <p:sldId id="263" r:id="rId10"/>
+    <p:sldId id="264" r:id="rId11"/>
+    <p:sldId id="265" r:id="rId12"/>
+    <p:sldId id="266" r:id="rId13"/>
+    <p:sldId id="267" r:id="rId14"/>
   </p:sldIdLst>
   <p:sldSz cx="12192000" cy="6858000"/>
   <p:notesSz cx="6858000" cy="9144000"/>
@@ -308,7 +309,7 @@
           <a:p>
             <a:fld id="{88D38747-4367-4BD2-8D51-C97E202738E2}" type="datetime1">
               <a:rPr lang="en-US" smtClean="0"/>
-              <a:t>4/25/2020</a:t>
+              <a:t>4/27/2020</a:t>
             </a:fld>
             <a:endParaRPr lang="en-US" dirty="0"/>
           </a:p>
@@ -613,7 +614,7 @@
           <a:p>
             <a:fld id="{11F1B079-7EF0-44EE-B798-BCC497C9F3B2}" type="datetime1">
               <a:rPr lang="en-US" smtClean="0"/>
-              <a:t>4/25/2020</a:t>
+              <a:t>4/27/2020</a:t>
             </a:fld>
             <a:endParaRPr lang="en-US" dirty="0"/>
           </a:p>
@@ -807,7 +808,7 @@
           <a:p>
             <a:fld id="{28FF70A8-1D13-4657-95F0-A9EA54967B8D}" type="datetime1">
               <a:rPr lang="en-US" smtClean="0"/>
-              <a:t>4/25/2020</a:t>
+              <a:t>4/27/2020</a:t>
             </a:fld>
             <a:endParaRPr lang="en-US" dirty="0"/>
           </a:p>
@@ -1070,7 +1071,7 @@
           <a:p>
             <a:fld id="{21EB90AC-71BD-4C7F-8ACA-7B3F18292E63}" type="datetime1">
               <a:rPr lang="en-US" smtClean="0"/>
-              <a:t>4/25/2020</a:t>
+              <a:t>4/27/2020</a:t>
             </a:fld>
             <a:endParaRPr lang="en-US" dirty="0"/>
           </a:p>
@@ -1506,7 +1507,7 @@
           <a:p>
             <a:fld id="{4E6EFC2C-8905-46F0-B443-CE905B76BA01}" type="datetime1">
               <a:rPr lang="en-US" smtClean="0"/>
-              <a:t>4/25/2020</a:t>
+              <a:t>4/27/2020</a:t>
             </a:fld>
             <a:endParaRPr lang="en-US" dirty="0"/>
           </a:p>
@@ -2043,7 +2044,7 @@
           <a:p>
             <a:fld id="{D9079DC3-C9B5-499E-9140-0DC28B7074E2}" type="datetime1">
               <a:rPr lang="en-US" smtClean="0"/>
-              <a:t>4/25/2020</a:t>
+              <a:t>4/27/2020</a:t>
             </a:fld>
             <a:endParaRPr lang="en-US" dirty="0"/>
           </a:p>
@@ -2925,7 +2926,7 @@
           <a:p>
             <a:fld id="{30BB33EA-E472-4D22-9C03-A9C14AA21CED}" type="datetime1">
               <a:rPr lang="en-US" smtClean="0"/>
-              <a:t>4/25/2020</a:t>
+              <a:t>4/27/2020</a:t>
             </a:fld>
             <a:endParaRPr lang="en-US" dirty="0"/>
           </a:p>
@@ -3095,7 +3096,7 @@
           <a:p>
             <a:fld id="{217E833E-1B6D-415F-AD29-75AE8C43BD0D}" type="datetime1">
               <a:rPr lang="en-US" smtClean="0"/>
-              <a:t>4/25/2020</a:t>
+              <a:t>4/27/2020</a:t>
             </a:fld>
             <a:endParaRPr lang="en-US" dirty="0"/>
           </a:p>
@@ -3279,7 +3280,7 @@
           <a:p>
             <a:fld id="{8452596F-08A7-4B70-989A-F2B1CF31E66B}" type="datetime1">
               <a:rPr lang="en-US" smtClean="0"/>
-              <a:t>4/25/2020</a:t>
+              <a:t>4/27/2020</a:t>
             </a:fld>
             <a:endParaRPr lang="en-US" dirty="0"/>
           </a:p>
@@ -3449,7 +3450,7 @@
           <a:p>
             <a:fld id="{73C55A3C-5767-4844-A0A3-83778C2E5409}" type="datetime1">
               <a:rPr lang="en-US" smtClean="0"/>
-              <a:t>4/25/2020</a:t>
+              <a:t>4/27/2020</a:t>
             </a:fld>
             <a:endParaRPr lang="en-US" dirty="0"/>
           </a:p>
@@ -3693,7 +3694,7 @@
           <a:p>
             <a:fld id="{CAE507A8-A5CF-4D38-AB86-7EDDA87A85D4}" type="datetime1">
               <a:rPr lang="en-US" smtClean="0"/>
-              <a:t>4/25/2020</a:t>
+              <a:t>4/27/2020</a:t>
             </a:fld>
             <a:endParaRPr lang="en-US" dirty="0"/>
           </a:p>
@@ -3935,7 +3936,7 @@
           <a:p>
             <a:fld id="{BDFCD27C-8599-43EF-BA1D-14DDC1946E06}" type="datetime1">
               <a:rPr lang="en-US" smtClean="0"/>
-              <a:t>4/25/2020</a:t>
+              <a:t>4/27/2020</a:t>
             </a:fld>
             <a:endParaRPr lang="en-US" dirty="0"/>
           </a:p>
@@ -4416,7 +4417,7 @@
           <a:p>
             <a:fld id="{49343D99-809A-49C0-96E5-4250D0B498EE}" type="datetime1">
               <a:rPr lang="en-US" smtClean="0"/>
-              <a:t>4/25/2020</a:t>
+              <a:t>4/27/2020</a:t>
             </a:fld>
             <a:endParaRPr lang="en-US" dirty="0"/>
           </a:p>
@@ -4534,7 +4535,7 @@
           <a:p>
             <a:fld id="{A143DE9B-B678-4EFB-BB7D-A4370204A0B0}" type="datetime1">
               <a:rPr lang="en-US" smtClean="0"/>
-              <a:t>4/25/2020</a:t>
+              <a:t>4/27/2020</a:t>
             </a:fld>
             <a:endParaRPr lang="en-US" dirty="0"/>
           </a:p>
@@ -4629,7 +4630,7 @@
           <a:p>
             <a:fld id="{E68812DA-F765-4142-A6A3-A8ED7235E082}" type="datetime1">
               <a:rPr lang="en-US" smtClean="0"/>
-              <a:t>4/25/2020</a:t>
+              <a:t>4/27/2020</a:t>
             </a:fld>
             <a:endParaRPr lang="en-US" dirty="0"/>
           </a:p>
@@ -4884,7 +4885,7 @@
           <a:p>
             <a:fld id="{3E0277FD-7DE6-41D4-930D-AC99F5AFE54E}" type="datetime1">
               <a:rPr lang="en-US" smtClean="0"/>
-              <a:t>4/25/2020</a:t>
+              <a:t>4/27/2020</a:t>
             </a:fld>
             <a:endParaRPr lang="en-US" dirty="0"/>
           </a:p>
@@ -5191,7 +5192,7 @@
           <a:p>
             <a:fld id="{9EA15526-7079-4B7B-987C-1B5FAE11A0FF}" type="datetime1">
               <a:rPr lang="en-US" smtClean="0"/>
-              <a:t>4/25/2020</a:t>
+              <a:t>4/27/2020</a:t>
             </a:fld>
             <a:endParaRPr lang="en-US" dirty="0"/>
           </a:p>
@@ -5426,7 +5427,7 @@
           <a:p>
             <a:fld id="{073ED0CC-082F-4160-86E5-0D6041F12778}" type="datetime1">
               <a:rPr lang="en-US" smtClean="0"/>
-              <a:t>4/25/2020</a:t>
+              <a:t>4/27/2020</a:t>
             </a:fld>
             <a:endParaRPr lang="en-US" dirty="0"/>
           </a:p>
@@ -6263,7 +6264,7 @@
           <p:cNvPr id="2" name="Title 1">
             <a:extLst>
               <a:ext uri="{FF2B5EF4-FFF2-40B4-BE49-F238E27FC236}">
-                <a16:creationId xmlns:a16="http://schemas.microsoft.com/office/drawing/2014/main" id="{8A615994-6C56-4656-B302-5CD7462F6523}"/>
+                <a16:creationId xmlns:a16="http://schemas.microsoft.com/office/drawing/2014/main" id="{488196D9-0FEB-4627-A59B-9232F7792EE2}"/>
               </a:ext>
             </a:extLst>
           </p:cNvPr>
@@ -6286,7 +6287,7 @@
           <a:p>
             <a:r>
               <a:rPr lang="en-US" dirty="0"/>
-              <a:t>The Trade Log</a:t>
+              <a:t>User Inputs</a:t>
             </a:r>
           </a:p>
         </p:txBody>
@@ -6296,7 +6297,7 @@
           <p:cNvPr id="3" name="Content Placeholder 2">
             <a:extLst>
               <a:ext uri="{FF2B5EF4-FFF2-40B4-BE49-F238E27FC236}">
-                <a16:creationId xmlns:a16="http://schemas.microsoft.com/office/drawing/2014/main" id="{D34900E8-9132-43C7-AA23-8F32BC1144F3}"/>
+                <a16:creationId xmlns:a16="http://schemas.microsoft.com/office/drawing/2014/main" id="{BA08035C-3752-4C47-9ACE-434C257B0C3E}"/>
               </a:ext>
             </a:extLst>
           </p:cNvPr>
@@ -6309,8 +6310,8 @@
         </p:nvSpPr>
         <p:spPr>
           <a:xfrm>
-            <a:off x="0" y="1571625"/>
-            <a:ext cx="6096000" cy="4683401"/>
+            <a:off x="403274" y="1545430"/>
+            <a:ext cx="6096000" cy="4603888"/>
           </a:xfrm>
         </p:spPr>
         <p:txBody>
@@ -6320,138 +6321,257 @@
           <a:lstStyle/>
           <a:p>
             <a:r>
-              <a:rPr lang="en-US" sz="2800" dirty="0"/>
-              <a:t>The </a:t>
-            </a:r>
-            <a:r>
-              <a:rPr lang="en-US" sz="2800" dirty="0">
+              <a:rPr lang="en-US" sz="2400" dirty="0"/>
+              <a:t>In the top left corner the user can input the </a:t>
+            </a:r>
+            <a:r>
+              <a:rPr lang="en-US" sz="2400" dirty="0">
+                <a:solidFill>
+                  <a:srgbClr val="00B050"/>
+                </a:solidFill>
+              </a:rPr>
+              <a:t>short window </a:t>
+            </a:r>
+            <a:r>
+              <a:rPr lang="en-US" sz="2400" dirty="0"/>
+              <a:t>and </a:t>
+            </a:r>
+            <a:r>
+              <a:rPr lang="en-US" sz="2400" dirty="0">
+                <a:solidFill>
+                  <a:srgbClr val="FF0000"/>
+                </a:solidFill>
+              </a:rPr>
+              <a:t>long window </a:t>
+            </a:r>
+            <a:r>
+              <a:rPr lang="en-US" sz="2400" dirty="0"/>
+              <a:t>sizes</a:t>
+            </a:r>
+          </a:p>
+          <a:p>
+            <a:r>
+              <a:rPr lang="en-US" sz="2400" dirty="0"/>
+              <a:t>The user will also input the </a:t>
+            </a:r>
+            <a:r>
+              <a:rPr lang="en-US" sz="2400" dirty="0">
+                <a:solidFill>
+                  <a:srgbClr val="0070C0"/>
+                </a:solidFill>
+              </a:rPr>
+              <a:t>stock ticker</a:t>
+            </a:r>
+          </a:p>
+          <a:p>
+            <a:r>
+              <a:rPr lang="en-US" sz="2400" dirty="0"/>
+              <a:t>After inputting the above information, the user can press </a:t>
+            </a:r>
+            <a:r>
+              <a:rPr lang="en-US" sz="2400" dirty="0">
                 <a:solidFill>
                   <a:srgbClr val="62D88C"/>
                 </a:solidFill>
               </a:rPr>
-              <a:t>trade log </a:t>
-            </a:r>
-            <a:r>
-              <a:rPr lang="en-US" sz="2800" dirty="0"/>
-              <a:t>holds all the users buys and sells which include details of the </a:t>
-            </a:r>
-            <a:r>
-              <a:rPr lang="en-US" sz="2800" dirty="0" err="1">
-                <a:solidFill>
-                  <a:srgbClr val="62D88C"/>
+              <a:t>connect </a:t>
+            </a:r>
+            <a:r>
+              <a:rPr lang="en-US" sz="2400" dirty="0"/>
+              <a:t>to initiate a connection to TWS and the strategy will start running</a:t>
+            </a:r>
+          </a:p>
+          <a:p>
+            <a:r>
+              <a:rPr lang="en-US" sz="2400" dirty="0"/>
+              <a:t>The user can then hit </a:t>
+            </a:r>
+            <a:r>
+              <a:rPr lang="en-US" sz="2400" dirty="0">
+                <a:solidFill>
+                  <a:srgbClr val="FFDE75"/>
                 </a:solidFill>
               </a:rPr>
-              <a:t>orderId</a:t>
-            </a:r>
-            <a:r>
-              <a:rPr lang="en-US" sz="2800" dirty="0"/>
-              <a:t>,</a:t>
-            </a:r>
-            <a:r>
-              <a:rPr lang="en-US" sz="2800" dirty="0">
-                <a:solidFill>
-                  <a:schemeClr val="accent6">
-                    <a:lumMod val="60000"/>
-                    <a:lumOff val="40000"/>
-                  </a:schemeClr>
-                </a:solidFill>
-              </a:rPr>
-              <a:t> </a:t>
-            </a:r>
-            <a:r>
-              <a:rPr lang="en-US" sz="2800" dirty="0">
-                <a:solidFill>
-                  <a:srgbClr val="62D88C"/>
-                </a:solidFill>
-              </a:rPr>
-              <a:t>stock</a:t>
-            </a:r>
-            <a:r>
-              <a:rPr lang="en-US" sz="2800" dirty="0"/>
-              <a:t>,</a:t>
-            </a:r>
-            <a:r>
-              <a:rPr lang="en-US" sz="2800" dirty="0">
-                <a:solidFill>
-                  <a:schemeClr val="accent6">
-                    <a:lumMod val="60000"/>
-                    <a:lumOff val="40000"/>
-                  </a:schemeClr>
-                </a:solidFill>
-              </a:rPr>
-              <a:t> </a:t>
-            </a:r>
-            <a:r>
-              <a:rPr lang="en-US" sz="2800" dirty="0">
-                <a:solidFill>
-                  <a:srgbClr val="62D88C"/>
-                </a:solidFill>
-              </a:rPr>
-              <a:t>price</a:t>
-            </a:r>
-            <a:r>
-              <a:rPr lang="en-US" sz="2800" dirty="0"/>
-              <a:t>,</a:t>
-            </a:r>
-            <a:r>
-              <a:rPr lang="en-US" sz="2800" dirty="0">
-                <a:solidFill>
-                  <a:schemeClr val="accent6">
-                    <a:lumMod val="60000"/>
-                    <a:lumOff val="40000"/>
-                  </a:schemeClr>
-                </a:solidFill>
-              </a:rPr>
-              <a:t> </a:t>
-            </a:r>
-            <a:r>
-              <a:rPr lang="en-US" sz="2800" dirty="0"/>
-              <a:t>and</a:t>
-            </a:r>
-            <a:r>
-              <a:rPr lang="en-US" sz="2800" dirty="0">
-                <a:solidFill>
-                  <a:schemeClr val="accent6">
-                    <a:lumMod val="60000"/>
-                    <a:lumOff val="40000"/>
-                  </a:schemeClr>
-                </a:solidFill>
-              </a:rPr>
-              <a:t> </a:t>
-            </a:r>
-            <a:r>
-              <a:rPr lang="en-US" sz="2800" dirty="0">
-                <a:solidFill>
-                  <a:srgbClr val="62D88C"/>
-                </a:solidFill>
-              </a:rPr>
-              <a:t>quantity</a:t>
-            </a:r>
-          </a:p>
-          <a:p>
-            <a:r>
-              <a:rPr lang="en-US" sz="2800" dirty="0"/>
-              <a:t>The </a:t>
-            </a:r>
-            <a:r>
-              <a:rPr lang="en-US" sz="2800" dirty="0">
-                <a:solidFill>
-                  <a:srgbClr val="62D88C"/>
-                </a:solidFill>
-              </a:rPr>
-              <a:t>trade log </a:t>
-            </a:r>
-            <a:r>
-              <a:rPr lang="en-US" sz="2800" dirty="0"/>
-              <a:t>also holds the information of the most recent order and its current status</a:t>
-            </a:r>
+              <a:t>disconnect</a:t>
+            </a:r>
+            <a:r>
+              <a:rPr lang="en-US" sz="2400" dirty="0"/>
+              <a:t> which will stop the strategy and cancel all open orders</a:t>
+            </a:r>
+          </a:p>
+          <a:p>
+            <a:endParaRPr lang="en-US" sz="2400" dirty="0"/>
+          </a:p>
+        </p:txBody>
+      </p:sp>
+      <p:pic>
+        <p:nvPicPr>
+          <p:cNvPr id="4" name="Picture 3">
+            <a:extLst>
+              <a:ext uri="{FF2B5EF4-FFF2-40B4-BE49-F238E27FC236}">
+                <a16:creationId xmlns:a16="http://schemas.microsoft.com/office/drawing/2014/main" id="{E34C3CA2-4F57-4560-9964-0264CC265082}"/>
+              </a:ext>
+            </a:extLst>
+          </p:cNvPr>
+          <p:cNvPicPr>
+            <a:picLocks noChangeAspect="1"/>
+          </p:cNvPicPr>
+          <p:nvPr/>
+        </p:nvPicPr>
+        <p:blipFill>
+          <a:blip r:embed="rId2"/>
+          <a:stretch>
+            <a:fillRect/>
+          </a:stretch>
+        </p:blipFill>
+        <p:spPr>
+          <a:xfrm>
+            <a:off x="7038457" y="1833562"/>
+            <a:ext cx="4229100" cy="1133475"/>
+          </a:xfrm>
+          <a:prstGeom prst="rect">
+            <a:avLst/>
+          </a:prstGeom>
+        </p:spPr>
+      </p:pic>
+      <p:pic>
+        <p:nvPicPr>
+          <p:cNvPr id="5" name="Picture 4">
+            <a:extLst>
+              <a:ext uri="{FF2B5EF4-FFF2-40B4-BE49-F238E27FC236}">
+                <a16:creationId xmlns:a16="http://schemas.microsoft.com/office/drawing/2014/main" id="{688E9E1A-0C05-47D1-B730-2C917616F1EA}"/>
+              </a:ext>
+            </a:extLst>
+          </p:cNvPr>
+          <p:cNvPicPr>
+            <a:picLocks noChangeAspect="1"/>
+          </p:cNvPicPr>
+          <p:nvPr/>
+        </p:nvPicPr>
+        <p:blipFill>
+          <a:blip r:embed="rId3"/>
+          <a:stretch>
+            <a:fillRect/>
+          </a:stretch>
+        </p:blipFill>
+        <p:spPr>
+          <a:xfrm>
+            <a:off x="6981305" y="4676774"/>
+            <a:ext cx="4343400" cy="609600"/>
+          </a:xfrm>
+          <a:prstGeom prst="rect">
+            <a:avLst/>
+          </a:prstGeom>
+        </p:spPr>
+      </p:pic>
+      <p:sp>
+        <p:nvSpPr>
+          <p:cNvPr id="6" name="Rectangle 5">
+            <a:extLst>
+              <a:ext uri="{FF2B5EF4-FFF2-40B4-BE49-F238E27FC236}">
+                <a16:creationId xmlns:a16="http://schemas.microsoft.com/office/drawing/2014/main" id="{A1F83529-2BDA-4A57-B741-1325509E0B66}"/>
+              </a:ext>
+            </a:extLst>
+          </p:cNvPr>
+          <p:cNvSpPr/>
+          <p:nvPr/>
+        </p:nvSpPr>
+        <p:spPr>
+          <a:xfrm>
+            <a:off x="6768865" y="1545430"/>
+            <a:ext cx="4768283" cy="1709737"/>
+          </a:xfrm>
+          <a:prstGeom prst="rect">
+            <a:avLst/>
+          </a:prstGeom>
+          <a:noFill/>
+          <a:ln>
+            <a:solidFill>
+              <a:schemeClr val="tx1"/>
+            </a:solidFill>
+          </a:ln>
+        </p:spPr>
+        <p:style>
+          <a:lnRef idx="2">
+            <a:schemeClr val="accent1">
+              <a:shade val="50000"/>
+            </a:schemeClr>
+          </a:lnRef>
+          <a:fillRef idx="1">
+            <a:schemeClr val="accent1"/>
+          </a:fillRef>
+          <a:effectRef idx="0">
+            <a:schemeClr val="accent1"/>
+          </a:effectRef>
+          <a:fontRef idx="minor">
+            <a:schemeClr val="lt1"/>
+          </a:fontRef>
+        </p:style>
+        <p:txBody>
+          <a:bodyPr rtlCol="0" anchor="ctr"/>
+          <a:lstStyle/>
+          <a:p>
+            <a:pPr algn="ctr"/>
+            <a:endParaRPr lang="en-US"/>
+          </a:p>
+        </p:txBody>
+      </p:sp>
+      <p:sp>
+        <p:nvSpPr>
+          <p:cNvPr id="7" name="Rectangle 6">
+            <a:extLst>
+              <a:ext uri="{FF2B5EF4-FFF2-40B4-BE49-F238E27FC236}">
+                <a16:creationId xmlns:a16="http://schemas.microsoft.com/office/drawing/2014/main" id="{93986685-1EEB-49B3-A430-8447CCD32883}"/>
+              </a:ext>
+            </a:extLst>
+          </p:cNvPr>
+          <p:cNvSpPr/>
+          <p:nvPr/>
+        </p:nvSpPr>
+        <p:spPr>
+          <a:xfrm>
+            <a:off x="6768865" y="4352924"/>
+            <a:ext cx="4768282" cy="1257300"/>
+          </a:xfrm>
+          <a:prstGeom prst="rect">
+            <a:avLst/>
+          </a:prstGeom>
+          <a:noFill/>
+          <a:ln>
+            <a:solidFill>
+              <a:schemeClr val="tx1"/>
+            </a:solidFill>
+          </a:ln>
+        </p:spPr>
+        <p:style>
+          <a:lnRef idx="2">
+            <a:schemeClr val="accent1">
+              <a:shade val="50000"/>
+            </a:schemeClr>
+          </a:lnRef>
+          <a:fillRef idx="1">
+            <a:schemeClr val="accent1"/>
+          </a:fillRef>
+          <a:effectRef idx="0">
+            <a:schemeClr val="accent1"/>
+          </a:effectRef>
+          <a:fontRef idx="minor">
+            <a:schemeClr val="lt1"/>
+          </a:fontRef>
+        </p:style>
+        <p:txBody>
+          <a:bodyPr rtlCol="0" anchor="ctr"/>
+          <a:lstStyle/>
+          <a:p>
+            <a:pPr algn="ctr"/>
+            <a:endParaRPr lang="en-US"/>
           </a:p>
         </p:txBody>
       </p:sp>
     </p:spTree>
     <p:extLst>
       <p:ext uri="{BB962C8B-B14F-4D97-AF65-F5344CB8AC3E}">
-        <p14:creationId xmlns:p14="http://schemas.microsoft.com/office/powerpoint/2010/main" val="1339252177"/>
+        <p14:creationId xmlns:p14="http://schemas.microsoft.com/office/powerpoint/2010/main" val="2339306828"/>
       </p:ext>
     </p:extLst>
   </p:cSld>
@@ -6483,6 +6603,256 @@
           <p:cNvPr id="2" name="Title 1">
             <a:extLst>
               <a:ext uri="{FF2B5EF4-FFF2-40B4-BE49-F238E27FC236}">
+                <a16:creationId xmlns:a16="http://schemas.microsoft.com/office/drawing/2014/main" id="{8A615994-6C56-4656-B302-5CD7462F6523}"/>
+              </a:ext>
+            </a:extLst>
+          </p:cNvPr>
+          <p:cNvSpPr>
+            <a:spLocks noGrp="1"/>
+          </p:cNvSpPr>
+          <p:nvPr>
+            <p:ph type="title"/>
+          </p:nvPr>
+        </p:nvSpPr>
+        <p:spPr>
+          <a:xfrm>
+            <a:off x="-1" y="0"/>
+            <a:ext cx="7288697" cy="1257300"/>
+          </a:xfrm>
+        </p:spPr>
+        <p:txBody>
+          <a:bodyPr/>
+          <a:lstStyle/>
+          <a:p>
+            <a:r>
+              <a:rPr lang="en-US" dirty="0"/>
+              <a:t>The Trade Log</a:t>
+            </a:r>
+          </a:p>
+        </p:txBody>
+      </p:sp>
+      <p:sp>
+        <p:nvSpPr>
+          <p:cNvPr id="3" name="Content Placeholder 2">
+            <a:extLst>
+              <a:ext uri="{FF2B5EF4-FFF2-40B4-BE49-F238E27FC236}">
+                <a16:creationId xmlns:a16="http://schemas.microsoft.com/office/drawing/2014/main" id="{D34900E8-9132-43C7-AA23-8F32BC1144F3}"/>
+              </a:ext>
+            </a:extLst>
+          </p:cNvPr>
+          <p:cNvSpPr>
+            <a:spLocks noGrp="1"/>
+          </p:cNvSpPr>
+          <p:nvPr>
+            <p:ph idx="1"/>
+          </p:nvPr>
+        </p:nvSpPr>
+        <p:spPr>
+          <a:xfrm>
+            <a:off x="463221" y="1571625"/>
+            <a:ext cx="6096000" cy="4683401"/>
+          </a:xfrm>
+        </p:spPr>
+        <p:txBody>
+          <a:bodyPr>
+            <a:normAutofit/>
+          </a:bodyPr>
+          <a:lstStyle/>
+          <a:p>
+            <a:r>
+              <a:rPr lang="en-US" sz="2800" dirty="0"/>
+              <a:t>The </a:t>
+            </a:r>
+            <a:r>
+              <a:rPr lang="en-US" sz="2800" dirty="0">
+                <a:solidFill>
+                  <a:srgbClr val="62D88C"/>
+                </a:solidFill>
+              </a:rPr>
+              <a:t>trade log </a:t>
+            </a:r>
+            <a:r>
+              <a:rPr lang="en-US" sz="2800" dirty="0"/>
+              <a:t>holds all the users buys and sells which include details of the </a:t>
+            </a:r>
+            <a:r>
+              <a:rPr lang="en-US" sz="2800" dirty="0" err="1">
+                <a:solidFill>
+                  <a:srgbClr val="62D88C"/>
+                </a:solidFill>
+              </a:rPr>
+              <a:t>orderId</a:t>
+            </a:r>
+            <a:r>
+              <a:rPr lang="en-US" sz="2800" dirty="0"/>
+              <a:t>,</a:t>
+            </a:r>
+            <a:r>
+              <a:rPr lang="en-US" sz="2800" dirty="0">
+                <a:solidFill>
+                  <a:schemeClr val="accent6">
+                    <a:lumMod val="60000"/>
+                    <a:lumOff val="40000"/>
+                  </a:schemeClr>
+                </a:solidFill>
+              </a:rPr>
+              <a:t> </a:t>
+            </a:r>
+            <a:r>
+              <a:rPr lang="en-US" sz="2800" dirty="0">
+                <a:solidFill>
+                  <a:srgbClr val="62D88C"/>
+                </a:solidFill>
+              </a:rPr>
+              <a:t>stock</a:t>
+            </a:r>
+            <a:r>
+              <a:rPr lang="en-US" sz="2800" dirty="0"/>
+              <a:t>,</a:t>
+            </a:r>
+            <a:r>
+              <a:rPr lang="en-US" sz="2800" dirty="0">
+                <a:solidFill>
+                  <a:schemeClr val="accent6">
+                    <a:lumMod val="60000"/>
+                    <a:lumOff val="40000"/>
+                  </a:schemeClr>
+                </a:solidFill>
+              </a:rPr>
+              <a:t> </a:t>
+            </a:r>
+            <a:r>
+              <a:rPr lang="en-US" sz="2800" dirty="0">
+                <a:solidFill>
+                  <a:srgbClr val="62D88C"/>
+                </a:solidFill>
+              </a:rPr>
+              <a:t>price</a:t>
+            </a:r>
+            <a:r>
+              <a:rPr lang="en-US" sz="2800" dirty="0"/>
+              <a:t>,</a:t>
+            </a:r>
+            <a:r>
+              <a:rPr lang="en-US" sz="2800" dirty="0">
+                <a:solidFill>
+                  <a:schemeClr val="accent6">
+                    <a:lumMod val="60000"/>
+                    <a:lumOff val="40000"/>
+                  </a:schemeClr>
+                </a:solidFill>
+              </a:rPr>
+              <a:t> </a:t>
+            </a:r>
+            <a:r>
+              <a:rPr lang="en-US" sz="2800" dirty="0"/>
+              <a:t>and</a:t>
+            </a:r>
+            <a:r>
+              <a:rPr lang="en-US" sz="2800" dirty="0">
+                <a:solidFill>
+                  <a:schemeClr val="accent6">
+                    <a:lumMod val="60000"/>
+                    <a:lumOff val="40000"/>
+                  </a:schemeClr>
+                </a:solidFill>
+              </a:rPr>
+              <a:t> </a:t>
+            </a:r>
+            <a:r>
+              <a:rPr lang="en-US" sz="2800" dirty="0">
+                <a:solidFill>
+                  <a:srgbClr val="62D88C"/>
+                </a:solidFill>
+              </a:rPr>
+              <a:t>quantity</a:t>
+            </a:r>
+          </a:p>
+          <a:p>
+            <a:r>
+              <a:rPr lang="en-US" sz="2800" dirty="0"/>
+              <a:t>The </a:t>
+            </a:r>
+            <a:r>
+              <a:rPr lang="en-US" sz="2800" dirty="0">
+                <a:solidFill>
+                  <a:srgbClr val="62D88C"/>
+                </a:solidFill>
+              </a:rPr>
+              <a:t>trade log </a:t>
+            </a:r>
+            <a:r>
+              <a:rPr lang="en-US" sz="2800" dirty="0"/>
+              <a:t>also holds the information of the most recent order and its current status</a:t>
+            </a:r>
+          </a:p>
+        </p:txBody>
+      </p:sp>
+      <p:pic>
+        <p:nvPicPr>
+          <p:cNvPr id="4" name="Picture 3">
+            <a:extLst>
+              <a:ext uri="{FF2B5EF4-FFF2-40B4-BE49-F238E27FC236}">
+                <a16:creationId xmlns:a16="http://schemas.microsoft.com/office/drawing/2014/main" id="{AD31B40A-2357-4A4F-A173-33BCD3B0F471}"/>
+              </a:ext>
+            </a:extLst>
+          </p:cNvPr>
+          <p:cNvPicPr>
+            <a:picLocks noChangeAspect="1"/>
+          </p:cNvPicPr>
+          <p:nvPr/>
+        </p:nvPicPr>
+        <p:blipFill>
+          <a:blip r:embed="rId2"/>
+          <a:stretch>
+            <a:fillRect/>
+          </a:stretch>
+        </p:blipFill>
+        <p:spPr>
+          <a:xfrm>
+            <a:off x="7026328" y="801159"/>
+            <a:ext cx="4702451" cy="5255681"/>
+          </a:xfrm>
+          <a:prstGeom prst="rect">
+            <a:avLst/>
+          </a:prstGeom>
+        </p:spPr>
+      </p:pic>
+    </p:spTree>
+    <p:extLst>
+      <p:ext uri="{BB962C8B-B14F-4D97-AF65-F5344CB8AC3E}">
+        <p14:creationId xmlns:p14="http://schemas.microsoft.com/office/powerpoint/2010/main" val="1339252177"/>
+      </p:ext>
+    </p:extLst>
+  </p:cSld>
+  <p:clrMapOvr>
+    <a:masterClrMapping/>
+  </p:clrMapOvr>
+</p:sld>
+</file>
+
+<file path=ppt/slides/slide12.xml><?xml version="1.0" encoding="utf-8"?>
+<p:sld xmlns:a="http://schemas.openxmlformats.org/drawingml/2006/main" xmlns:r="http://schemas.openxmlformats.org/officeDocument/2006/relationships" xmlns:p="http://schemas.openxmlformats.org/presentationml/2006/main">
+  <p:cSld>
+    <p:spTree>
+      <p:nvGrpSpPr>
+        <p:cNvPr id="1" name=""/>
+        <p:cNvGrpSpPr/>
+        <p:nvPr/>
+      </p:nvGrpSpPr>
+      <p:grpSpPr>
+        <a:xfrm>
+          <a:off x="0" y="0"/>
+          <a:ext cx="0" cy="0"/>
+          <a:chOff x="0" y="0"/>
+          <a:chExt cx="0" cy="0"/>
+        </a:xfrm>
+      </p:grpSpPr>
+      <p:sp>
+        <p:nvSpPr>
+          <p:cNvPr id="2" name="Title 1">
+            <a:extLst>
+              <a:ext uri="{FF2B5EF4-FFF2-40B4-BE49-F238E27FC236}">
                 <a16:creationId xmlns:a16="http://schemas.microsoft.com/office/drawing/2014/main" id="{43938752-6D32-47D8-96C8-227ECF60672E}"/>
               </a:ext>
             </a:extLst>
@@ -6697,7 +7067,7 @@
 </p:sld>
 </file>
 
-<file path=ppt/slides/slide12.xml><?xml version="1.0" encoding="utf-8"?>
+<file path=ppt/slides/slide13.xml><?xml version="1.0" encoding="utf-8"?>
 <p:sld xmlns:a="http://schemas.openxmlformats.org/drawingml/2006/main" xmlns:r="http://schemas.openxmlformats.org/officeDocument/2006/relationships" xmlns:p="http://schemas.openxmlformats.org/presentationml/2006/main">
   <p:cSld>
     <p:spTree>
@@ -7942,7 +8312,7 @@
         </p:nvSpPr>
         <p:spPr>
           <a:xfrm>
-            <a:off x="0" y="1257300"/>
+            <a:off x="161111" y="1268896"/>
             <a:ext cx="5880900" cy="5289274"/>
           </a:xfrm>
           <a:ln>
@@ -8125,8 +8495,8 @@
         </p:blipFill>
         <p:spPr>
           <a:xfrm>
-            <a:off x="5880900" y="2514600"/>
-            <a:ext cx="6149989" cy="1915570"/>
+            <a:off x="6149989" y="2513122"/>
+            <a:ext cx="5880900" cy="1831755"/>
           </a:xfrm>
           <a:prstGeom prst="rect">
             <a:avLst/>
@@ -8435,12 +8805,8 @@
           <a:lstStyle/>
           <a:p>
             <a:r>
-              <a:rPr lang="en-US" dirty="0"/>
-              <a:t>GUI Design: </a:t>
-            </a:r>
-            <a:r>
-              <a:rPr lang="en-US" dirty="0" err="1"/>
-              <a:t>QtDesigner</a:t>
+              <a:rPr lang="en-US"/>
+              <a:t>GUI Design: QtDesigner</a:t>
             </a:r>
             <a:endParaRPr lang="en-US" dirty="0"/>
           </a:p>
@@ -8475,11 +8841,11 @@
           <a:lstStyle/>
           <a:p>
             <a:r>
-              <a:rPr lang="en-US" sz="2800" dirty="0"/>
+              <a:rPr lang="en-US" sz="2800"/>
               <a:t>The basis of the design of the </a:t>
             </a:r>
             <a:r>
-              <a:rPr lang="en-US" sz="2800" dirty="0">
+              <a:rPr lang="en-US" sz="2800">
                 <a:solidFill>
                   <a:srgbClr val="FFC000"/>
                 </a:solidFill>
@@ -8487,58 +8853,38 @@
               <a:t>GUI</a:t>
             </a:r>
             <a:r>
-              <a:rPr lang="en-US" sz="2800" dirty="0"/>
+              <a:rPr lang="en-US" sz="2800"/>
               <a:t> was from </a:t>
             </a:r>
             <a:r>
-              <a:rPr lang="en-US" sz="2800" dirty="0" err="1">
+              <a:rPr lang="en-US" sz="2800">
                 <a:solidFill>
                   <a:srgbClr val="62D88C"/>
                 </a:solidFill>
               </a:rPr>
               <a:t>QtDesigner</a:t>
             </a:r>
-            <a:endParaRPr lang="en-US" sz="2800" dirty="0">
-              <a:solidFill>
-                <a:srgbClr val="62D88C"/>
-              </a:solidFill>
-            </a:endParaRPr>
-          </a:p>
-          <a:p>
-            <a:r>
-              <a:rPr lang="en-US" sz="2800" dirty="0"/>
-              <a:t>The .</a:t>
-            </a:r>
-            <a:r>
-              <a:rPr lang="en-US" sz="2800" dirty="0" err="1"/>
-              <a:t>ui</a:t>
-            </a:r>
-            <a:r>
-              <a:rPr lang="en-US" sz="2800" dirty="0"/>
-              <a:t> file is written in XML style language but after going line by line, this method of designing can be exhaustive</a:t>
-            </a:r>
-          </a:p>
-          <a:p>
-            <a:r>
-              <a:rPr lang="en-US" sz="2800" dirty="0" err="1">
+          </a:p>
+          <a:p>
+            <a:r>
+              <a:rPr lang="en-US" sz="2800"/>
+              <a:t>The .ui file is written in XML style language but after going line by line, this method of designing can be exhaustive</a:t>
+            </a:r>
+          </a:p>
+          <a:p>
+            <a:r>
+              <a:rPr lang="en-US" sz="2800">
                 <a:solidFill>
                   <a:srgbClr val="62D88C"/>
                 </a:solidFill>
               </a:rPr>
-              <a:t>QtDesigner</a:t>
-            </a:r>
-            <a:r>
-              <a:rPr lang="en-US" sz="2800" dirty="0">
-                <a:solidFill>
-                  <a:srgbClr val="62D88C"/>
-                </a:solidFill>
-              </a:rPr>
-              <a:t> </a:t>
-            </a:r>
-            <a:r>
-              <a:rPr lang="en-US" sz="2800" dirty="0"/>
+              <a:t>QtDesigner </a:t>
+            </a:r>
+            <a:r>
+              <a:rPr lang="en-US" sz="2800"/>
               <a:t>allows for an easy quick design</a:t>
             </a:r>
+            <a:endParaRPr lang="en-US" sz="2800" dirty="0"/>
           </a:p>
         </p:txBody>
       </p:sp>
@@ -8653,7 +8999,7 @@
         </p:nvSpPr>
         <p:spPr>
           <a:xfrm>
-            <a:off x="0" y="1571625"/>
+            <a:off x="154086" y="1601000"/>
             <a:ext cx="6096000" cy="4511123"/>
           </a:xfrm>
         </p:spPr>
@@ -8962,7 +9308,7 @@
           <p:cNvPr id="2" name="Title 1">
             <a:extLst>
               <a:ext uri="{FF2B5EF4-FFF2-40B4-BE49-F238E27FC236}">
-                <a16:creationId xmlns:a16="http://schemas.microsoft.com/office/drawing/2014/main" id="{862480FF-A663-44E4-863F-83E874C5ECBF}"/>
+                <a16:creationId xmlns:a16="http://schemas.microsoft.com/office/drawing/2014/main" id="{AFDF9E69-A3A7-4218-A7E6-A8FB16445B43}"/>
               </a:ext>
             </a:extLst>
           </p:cNvPr>
@@ -8985,17 +9331,208 @@
           <a:p>
             <a:r>
               <a:rPr lang="en-US" dirty="0"/>
-              <a:t>The Final Product</a:t>
-            </a:r>
-          </a:p>
-        </p:txBody>
-      </p:sp>
-      <p:sp>
-        <p:nvSpPr>
-          <p:cNvPr id="4" name="Rectangle 3">
+              <a:t>The Strategy</a:t>
+            </a:r>
+          </a:p>
+        </p:txBody>
+      </p:sp>
+      <p:sp>
+        <p:nvSpPr>
+          <p:cNvPr id="3" name="Content Placeholder 2">
             <a:extLst>
               <a:ext uri="{FF2B5EF4-FFF2-40B4-BE49-F238E27FC236}">
-                <a16:creationId xmlns:a16="http://schemas.microsoft.com/office/drawing/2014/main" id="{945BD419-9668-4938-87FC-B204223FAA73}"/>
+                <a16:creationId xmlns:a16="http://schemas.microsoft.com/office/drawing/2014/main" id="{109CA89F-B55A-40AD-9C3B-408CCB390304}"/>
+              </a:ext>
+            </a:extLst>
+          </p:cNvPr>
+          <p:cNvSpPr>
+            <a:spLocks noGrp="1"/>
+          </p:cNvSpPr>
+          <p:nvPr>
+            <p:ph idx="1"/>
+          </p:nvPr>
+        </p:nvSpPr>
+        <p:spPr>
+          <a:xfrm>
+            <a:off x="138962" y="1383909"/>
+            <a:ext cx="6096000" cy="4533900"/>
+          </a:xfrm>
+        </p:spPr>
+        <p:txBody>
+          <a:bodyPr>
+            <a:normAutofit/>
+          </a:bodyPr>
+          <a:lstStyle/>
+          <a:p>
+            <a:r>
+              <a:rPr lang="en-US" sz="2800" dirty="0"/>
+              <a:t>The strategy used in the system is a </a:t>
+            </a:r>
+            <a:r>
+              <a:rPr lang="en-US" sz="2800" dirty="0">
+                <a:solidFill>
+                  <a:srgbClr val="E6711A"/>
+                </a:solidFill>
+              </a:rPr>
+              <a:t>Moving Average Crossover</a:t>
+            </a:r>
+            <a:r>
+              <a:rPr lang="en-US" sz="2800" dirty="0"/>
+              <a:t> strategy</a:t>
+            </a:r>
+          </a:p>
+          <a:p>
+            <a:r>
+              <a:rPr lang="en-US" sz="2800" dirty="0"/>
+              <a:t>This strategy is a fundamental strategy from </a:t>
+            </a:r>
+            <a:r>
+              <a:rPr lang="en-US" sz="2800" dirty="0">
+                <a:solidFill>
+                  <a:schemeClr val="accent4">
+                    <a:lumMod val="60000"/>
+                    <a:lumOff val="40000"/>
+                  </a:schemeClr>
+                </a:solidFill>
+              </a:rPr>
+              <a:t>Technical Analysis </a:t>
+            </a:r>
+            <a:r>
+              <a:rPr lang="en-US" sz="2800" dirty="0"/>
+              <a:t>which uses a </a:t>
+            </a:r>
+            <a:r>
+              <a:rPr lang="en-US" sz="2800" dirty="0">
+                <a:solidFill>
+                  <a:srgbClr val="FF0000"/>
+                </a:solidFill>
+              </a:rPr>
+              <a:t>shorter moving average</a:t>
+            </a:r>
+            <a:r>
+              <a:rPr lang="en-US" sz="2800" dirty="0"/>
+              <a:t> and a </a:t>
+            </a:r>
+            <a:r>
+              <a:rPr lang="en-US" sz="2800" dirty="0">
+                <a:solidFill>
+                  <a:srgbClr val="00B050"/>
+                </a:solidFill>
+              </a:rPr>
+              <a:t>longer moving average</a:t>
+            </a:r>
+            <a:endParaRPr lang="en-US" sz="2800" dirty="0"/>
+          </a:p>
+          <a:p>
+            <a:r>
+              <a:rPr lang="en-US" sz="2800" dirty="0">
+                <a:solidFill>
+                  <a:srgbClr val="FF0000"/>
+                </a:solidFill>
+              </a:rPr>
+              <a:t>Short </a:t>
+            </a:r>
+            <a:r>
+              <a:rPr lang="en-US" sz="2800" dirty="0"/>
+              <a:t>above </a:t>
+            </a:r>
+            <a:r>
+              <a:rPr lang="en-US" sz="2800" dirty="0">
+                <a:solidFill>
+                  <a:srgbClr val="00B050"/>
+                </a:solidFill>
+              </a:rPr>
+              <a:t>Long</a:t>
+            </a:r>
+            <a:r>
+              <a:rPr lang="en-US" sz="2800" dirty="0"/>
+              <a:t>: </a:t>
+            </a:r>
+            <a:r>
+              <a:rPr lang="en-US" sz="2800" dirty="0">
+                <a:solidFill>
+                  <a:srgbClr val="FF0000"/>
+                </a:solidFill>
+              </a:rPr>
+              <a:t>Sell</a:t>
+            </a:r>
+            <a:r>
+              <a:rPr lang="en-US" sz="2800" dirty="0"/>
+              <a:t> </a:t>
+            </a:r>
+          </a:p>
+          <a:p>
+            <a:r>
+              <a:rPr lang="en-US" sz="2800" dirty="0">
+                <a:solidFill>
+                  <a:srgbClr val="00B050"/>
+                </a:solidFill>
+              </a:rPr>
+              <a:t>Long</a:t>
+            </a:r>
+            <a:r>
+              <a:rPr lang="en-US" sz="2800" dirty="0"/>
+              <a:t> above </a:t>
+            </a:r>
+            <a:r>
+              <a:rPr lang="en-US" sz="2800" dirty="0">
+                <a:solidFill>
+                  <a:srgbClr val="FF0000"/>
+                </a:solidFill>
+              </a:rPr>
+              <a:t>Short</a:t>
+            </a:r>
+            <a:r>
+              <a:rPr lang="en-US" sz="2800" dirty="0"/>
+              <a:t>: </a:t>
+            </a:r>
+            <a:r>
+              <a:rPr lang="en-US" sz="2800" dirty="0">
+                <a:solidFill>
+                  <a:srgbClr val="00B050"/>
+                </a:solidFill>
+              </a:rPr>
+              <a:t>Buy</a:t>
+            </a:r>
+          </a:p>
+        </p:txBody>
+      </p:sp>
+      <p:pic>
+        <p:nvPicPr>
+          <p:cNvPr id="5" name="Picture 4">
+            <a:extLst>
+              <a:ext uri="{FF2B5EF4-FFF2-40B4-BE49-F238E27FC236}">
+                <a16:creationId xmlns:a16="http://schemas.microsoft.com/office/drawing/2014/main" id="{AB562598-B907-494D-8D04-97AFD4AE1391}"/>
+              </a:ext>
+            </a:extLst>
+          </p:cNvPr>
+          <p:cNvPicPr>
+            <a:picLocks noChangeAspect="1"/>
+          </p:cNvPicPr>
+          <p:nvPr/>
+        </p:nvPicPr>
+        <p:blipFill>
+          <a:blip r:embed="rId2"/>
+          <a:stretch>
+            <a:fillRect/>
+          </a:stretch>
+        </p:blipFill>
+        <p:spPr>
+          <a:xfrm>
+            <a:off x="6368972" y="1917822"/>
+            <a:ext cx="5526112" cy="3212856"/>
+          </a:xfrm>
+          <a:prstGeom prst="rect">
+            <a:avLst/>
+          </a:prstGeom>
+        </p:spPr>
+      </p:pic>
+      <p:sp>
+        <p:nvSpPr>
+          <p:cNvPr id="6" name="Oval 5">
+            <a:extLst>
+              <a:ext uri="{FF2B5EF4-FFF2-40B4-BE49-F238E27FC236}">
+                <a16:creationId xmlns:a16="http://schemas.microsoft.com/office/drawing/2014/main" id="{892C022E-15CA-452B-8DF5-6297D5949A40}"/>
               </a:ext>
             </a:extLst>
           </p:cNvPr>
@@ -9004,30 +9541,360 @@
         </p:nvSpPr>
         <p:spPr>
           <a:xfrm>
-            <a:off x="3709249" y="5902044"/>
-            <a:ext cx="4762854" cy="523220"/>
-          </a:xfrm>
-          <a:prstGeom prst="rect">
+            <a:off x="8212474" y="2182123"/>
+            <a:ext cx="267287" cy="253218"/>
+          </a:xfrm>
+          <a:prstGeom prst="ellipse">
             <a:avLst/>
           </a:prstGeom>
-        </p:spPr>
-        <p:txBody>
-          <a:bodyPr wrap="square">
-            <a:spAutoFit/>
-          </a:bodyPr>
-          <a:lstStyle/>
-          <a:p>
-            <a:r>
-              <a:rPr lang="en-US" sz="2800" dirty="0"/>
-              <a:t>Now let's dig into how it works!</a:t>
-            </a:r>
+          <a:noFill/>
+          <a:ln w="38100">
+            <a:solidFill>
+              <a:srgbClr val="FF0000"/>
+            </a:solidFill>
+          </a:ln>
+        </p:spPr>
+        <p:style>
+          <a:lnRef idx="2">
+            <a:schemeClr val="accent1">
+              <a:shade val="50000"/>
+            </a:schemeClr>
+          </a:lnRef>
+          <a:fillRef idx="1">
+            <a:schemeClr val="accent1"/>
+          </a:fillRef>
+          <a:effectRef idx="0">
+            <a:schemeClr val="accent1"/>
+          </a:effectRef>
+          <a:fontRef idx="minor">
+            <a:schemeClr val="lt1"/>
+          </a:fontRef>
+        </p:style>
+        <p:txBody>
+          <a:bodyPr rtlCol="0" anchor="ctr"/>
+          <a:lstStyle/>
+          <a:p>
+            <a:pPr algn="ctr"/>
+            <a:endParaRPr lang="en-US"/>
+          </a:p>
+        </p:txBody>
+      </p:sp>
+      <p:sp>
+        <p:nvSpPr>
+          <p:cNvPr id="7" name="Oval 6">
+            <a:extLst>
+              <a:ext uri="{FF2B5EF4-FFF2-40B4-BE49-F238E27FC236}">
+                <a16:creationId xmlns:a16="http://schemas.microsoft.com/office/drawing/2014/main" id="{1655D276-2A0A-4796-B075-0345E974D291}"/>
+              </a:ext>
+            </a:extLst>
+          </p:cNvPr>
+          <p:cNvSpPr/>
+          <p:nvPr/>
+        </p:nvSpPr>
+        <p:spPr>
+          <a:xfrm>
+            <a:off x="7476979" y="2308732"/>
+            <a:ext cx="267287" cy="253218"/>
+          </a:xfrm>
+          <a:prstGeom prst="ellipse">
+            <a:avLst/>
+          </a:prstGeom>
+          <a:noFill/>
+          <a:ln w="38100">
+            <a:solidFill>
+              <a:srgbClr val="FF0000"/>
+            </a:solidFill>
+          </a:ln>
+        </p:spPr>
+        <p:style>
+          <a:lnRef idx="2">
+            <a:schemeClr val="accent1">
+              <a:shade val="50000"/>
+            </a:schemeClr>
+          </a:lnRef>
+          <a:fillRef idx="1">
+            <a:schemeClr val="accent1"/>
+          </a:fillRef>
+          <a:effectRef idx="0">
+            <a:schemeClr val="accent1"/>
+          </a:effectRef>
+          <a:fontRef idx="minor">
+            <a:schemeClr val="lt1"/>
+          </a:fontRef>
+        </p:style>
+        <p:txBody>
+          <a:bodyPr rtlCol="0" anchor="ctr"/>
+          <a:lstStyle/>
+          <a:p>
+            <a:pPr algn="ctr"/>
+            <a:endParaRPr lang="en-US"/>
+          </a:p>
+        </p:txBody>
+      </p:sp>
+      <p:sp>
+        <p:nvSpPr>
+          <p:cNvPr id="8" name="Oval 7">
+            <a:extLst>
+              <a:ext uri="{FF2B5EF4-FFF2-40B4-BE49-F238E27FC236}">
+                <a16:creationId xmlns:a16="http://schemas.microsoft.com/office/drawing/2014/main" id="{2E2411F6-B584-447A-AC7B-E4222DAE16E8}"/>
+              </a:ext>
+            </a:extLst>
+          </p:cNvPr>
+          <p:cNvSpPr/>
+          <p:nvPr/>
+        </p:nvSpPr>
+        <p:spPr>
+          <a:xfrm>
+            <a:off x="10021395" y="2692332"/>
+            <a:ext cx="267287" cy="253218"/>
+          </a:xfrm>
+          <a:prstGeom prst="ellipse">
+            <a:avLst/>
+          </a:prstGeom>
+          <a:noFill/>
+          <a:ln w="38100">
+            <a:solidFill>
+              <a:srgbClr val="FF0000"/>
+            </a:solidFill>
+          </a:ln>
+        </p:spPr>
+        <p:style>
+          <a:lnRef idx="2">
+            <a:schemeClr val="accent1">
+              <a:shade val="50000"/>
+            </a:schemeClr>
+          </a:lnRef>
+          <a:fillRef idx="1">
+            <a:schemeClr val="accent1"/>
+          </a:fillRef>
+          <a:effectRef idx="0">
+            <a:schemeClr val="accent1"/>
+          </a:effectRef>
+          <a:fontRef idx="minor">
+            <a:schemeClr val="lt1"/>
+          </a:fontRef>
+        </p:style>
+        <p:txBody>
+          <a:bodyPr rtlCol="0" anchor="ctr"/>
+          <a:lstStyle/>
+          <a:p>
+            <a:pPr algn="ctr"/>
+            <a:endParaRPr lang="en-US"/>
+          </a:p>
+        </p:txBody>
+      </p:sp>
+      <p:sp>
+        <p:nvSpPr>
+          <p:cNvPr id="9" name="Oval 8">
+            <a:extLst>
+              <a:ext uri="{FF2B5EF4-FFF2-40B4-BE49-F238E27FC236}">
+                <a16:creationId xmlns:a16="http://schemas.microsoft.com/office/drawing/2014/main" id="{F00C6556-64DC-4DD3-AC44-14F2A67BA7D0}"/>
+              </a:ext>
+            </a:extLst>
+          </p:cNvPr>
+          <p:cNvSpPr/>
+          <p:nvPr/>
+        </p:nvSpPr>
+        <p:spPr>
+          <a:xfrm>
+            <a:off x="9001046" y="4229584"/>
+            <a:ext cx="267287" cy="253218"/>
+          </a:xfrm>
+          <a:prstGeom prst="ellipse">
+            <a:avLst/>
+          </a:prstGeom>
+          <a:noFill/>
+          <a:ln w="38100">
+            <a:solidFill>
+              <a:srgbClr val="00B050"/>
+            </a:solidFill>
+          </a:ln>
+        </p:spPr>
+        <p:style>
+          <a:lnRef idx="2">
+            <a:schemeClr val="accent1">
+              <a:shade val="50000"/>
+            </a:schemeClr>
+          </a:lnRef>
+          <a:fillRef idx="1">
+            <a:schemeClr val="accent1"/>
+          </a:fillRef>
+          <a:effectRef idx="0">
+            <a:schemeClr val="accent1"/>
+          </a:effectRef>
+          <a:fontRef idx="minor">
+            <a:schemeClr val="lt1"/>
+          </a:fontRef>
+        </p:style>
+        <p:txBody>
+          <a:bodyPr rtlCol="0" anchor="ctr"/>
+          <a:lstStyle/>
+          <a:p>
+            <a:pPr algn="ctr"/>
+            <a:endParaRPr lang="en-US"/>
+          </a:p>
+        </p:txBody>
+      </p:sp>
+      <p:sp>
+        <p:nvSpPr>
+          <p:cNvPr id="10" name="Oval 9">
+            <a:extLst>
+              <a:ext uri="{FF2B5EF4-FFF2-40B4-BE49-F238E27FC236}">
+                <a16:creationId xmlns:a16="http://schemas.microsoft.com/office/drawing/2014/main" id="{78ABFD02-A737-4C72-9ADC-B27E54493A11}"/>
+              </a:ext>
+            </a:extLst>
+          </p:cNvPr>
+          <p:cNvSpPr/>
+          <p:nvPr/>
+        </p:nvSpPr>
+        <p:spPr>
+          <a:xfrm>
+            <a:off x="7796915" y="3175782"/>
+            <a:ext cx="267287" cy="253218"/>
+          </a:xfrm>
+          <a:prstGeom prst="ellipse">
+            <a:avLst/>
+          </a:prstGeom>
+          <a:noFill/>
+          <a:ln w="38100">
+            <a:solidFill>
+              <a:srgbClr val="00B050"/>
+            </a:solidFill>
+          </a:ln>
+        </p:spPr>
+        <p:style>
+          <a:lnRef idx="2">
+            <a:schemeClr val="accent1">
+              <a:shade val="50000"/>
+            </a:schemeClr>
+          </a:lnRef>
+          <a:fillRef idx="1">
+            <a:schemeClr val="accent1"/>
+          </a:fillRef>
+          <a:effectRef idx="0">
+            <a:schemeClr val="accent1"/>
+          </a:effectRef>
+          <a:fontRef idx="minor">
+            <a:schemeClr val="lt1"/>
+          </a:fontRef>
+        </p:style>
+        <p:txBody>
+          <a:bodyPr rtlCol="0" anchor="ctr"/>
+          <a:lstStyle/>
+          <a:p>
+            <a:pPr algn="ctr"/>
+            <a:endParaRPr lang="en-US"/>
+          </a:p>
+        </p:txBody>
+      </p:sp>
+      <p:sp>
+        <p:nvSpPr>
+          <p:cNvPr id="11" name="Oval 10">
+            <a:extLst>
+              <a:ext uri="{FF2B5EF4-FFF2-40B4-BE49-F238E27FC236}">
+                <a16:creationId xmlns:a16="http://schemas.microsoft.com/office/drawing/2014/main" id="{38EE675C-E535-4730-9682-3BD7A6209E1B}"/>
+              </a:ext>
+            </a:extLst>
+          </p:cNvPr>
+          <p:cNvSpPr/>
+          <p:nvPr/>
+        </p:nvSpPr>
+        <p:spPr>
+          <a:xfrm>
+            <a:off x="11088264" y="3683274"/>
+            <a:ext cx="267287" cy="253218"/>
+          </a:xfrm>
+          <a:prstGeom prst="ellipse">
+            <a:avLst/>
+          </a:prstGeom>
+          <a:noFill/>
+          <a:ln w="38100">
+            <a:solidFill>
+              <a:srgbClr val="00B050"/>
+            </a:solidFill>
+          </a:ln>
+        </p:spPr>
+        <p:style>
+          <a:lnRef idx="2">
+            <a:schemeClr val="accent1">
+              <a:shade val="50000"/>
+            </a:schemeClr>
+          </a:lnRef>
+          <a:fillRef idx="1">
+            <a:schemeClr val="accent1"/>
+          </a:fillRef>
+          <a:effectRef idx="0">
+            <a:schemeClr val="accent1"/>
+          </a:effectRef>
+          <a:fontRef idx="minor">
+            <a:schemeClr val="lt1"/>
+          </a:fontRef>
+        </p:style>
+        <p:txBody>
+          <a:bodyPr rtlCol="0" anchor="ctr"/>
+          <a:lstStyle/>
+          <a:p>
+            <a:pPr algn="ctr"/>
+            <a:endParaRPr lang="en-US"/>
+          </a:p>
+        </p:txBody>
+      </p:sp>
+      <p:sp>
+        <p:nvSpPr>
+          <p:cNvPr id="12" name="Oval 11">
+            <a:extLst>
+              <a:ext uri="{FF2B5EF4-FFF2-40B4-BE49-F238E27FC236}">
+                <a16:creationId xmlns:a16="http://schemas.microsoft.com/office/drawing/2014/main" id="{FF6ABFFD-E38B-4BC1-A7BD-108D11072F1B}"/>
+              </a:ext>
+            </a:extLst>
+          </p:cNvPr>
+          <p:cNvSpPr/>
+          <p:nvPr/>
+        </p:nvSpPr>
+        <p:spPr>
+          <a:xfrm>
+            <a:off x="11512265" y="2692332"/>
+            <a:ext cx="267287" cy="253218"/>
+          </a:xfrm>
+          <a:prstGeom prst="ellipse">
+            <a:avLst/>
+          </a:prstGeom>
+          <a:noFill/>
+          <a:ln w="38100">
+            <a:solidFill>
+              <a:srgbClr val="FF0000"/>
+            </a:solidFill>
+          </a:ln>
+        </p:spPr>
+        <p:style>
+          <a:lnRef idx="2">
+            <a:schemeClr val="accent1">
+              <a:shade val="50000"/>
+            </a:schemeClr>
+          </a:lnRef>
+          <a:fillRef idx="1">
+            <a:schemeClr val="accent1"/>
+          </a:fillRef>
+          <a:effectRef idx="0">
+            <a:schemeClr val="accent1"/>
+          </a:effectRef>
+          <a:fontRef idx="minor">
+            <a:schemeClr val="lt1"/>
+          </a:fontRef>
+        </p:style>
+        <p:txBody>
+          <a:bodyPr rtlCol="0" anchor="ctr"/>
+          <a:lstStyle/>
+          <a:p>
+            <a:pPr algn="ctr"/>
+            <a:endParaRPr lang="en-US"/>
           </a:p>
         </p:txBody>
       </p:sp>
     </p:spTree>
     <p:extLst>
       <p:ext uri="{BB962C8B-B14F-4D97-AF65-F5344CB8AC3E}">
-        <p14:creationId xmlns:p14="http://schemas.microsoft.com/office/powerpoint/2010/main" val="2865385035"/>
+        <p14:creationId xmlns:p14="http://schemas.microsoft.com/office/powerpoint/2010/main" val="753353349"/>
       </p:ext>
     </p:extLst>
   </p:cSld>
@@ -9059,7 +9926,7 @@
           <p:cNvPr id="2" name="Title 1">
             <a:extLst>
               <a:ext uri="{FF2B5EF4-FFF2-40B4-BE49-F238E27FC236}">
-                <a16:creationId xmlns:a16="http://schemas.microsoft.com/office/drawing/2014/main" id="{488196D9-0FEB-4627-A59B-9232F7792EE2}"/>
+                <a16:creationId xmlns:a16="http://schemas.microsoft.com/office/drawing/2014/main" id="{862480FF-A663-44E4-863F-83E874C5ECBF}"/>
               </a:ext>
             </a:extLst>
           </p:cNvPr>
@@ -9082,129 +9949,51 @@
           <a:p>
             <a:r>
               <a:rPr lang="en-US" dirty="0"/>
-              <a:t>User Inputs</a:t>
-            </a:r>
-          </a:p>
-        </p:txBody>
-      </p:sp>
-      <p:sp>
-        <p:nvSpPr>
-          <p:cNvPr id="3" name="Content Placeholder 2">
+              <a:t>The Final Product</a:t>
+            </a:r>
+          </a:p>
+        </p:txBody>
+      </p:sp>
+      <p:sp>
+        <p:nvSpPr>
+          <p:cNvPr id="4" name="Rectangle 3">
             <a:extLst>
               <a:ext uri="{FF2B5EF4-FFF2-40B4-BE49-F238E27FC236}">
-                <a16:creationId xmlns:a16="http://schemas.microsoft.com/office/drawing/2014/main" id="{BA08035C-3752-4C47-9ACE-434C257B0C3E}"/>
+                <a16:creationId xmlns:a16="http://schemas.microsoft.com/office/drawing/2014/main" id="{945BD419-9668-4938-87FC-B204223FAA73}"/>
               </a:ext>
             </a:extLst>
           </p:cNvPr>
-          <p:cNvSpPr>
-            <a:spLocks noGrp="1"/>
-          </p:cNvSpPr>
-          <p:nvPr>
-            <p:ph idx="1"/>
-          </p:nvPr>
-        </p:nvSpPr>
-        <p:spPr>
-          <a:xfrm>
-            <a:off x="0" y="1571625"/>
-            <a:ext cx="6096000" cy="4603888"/>
-          </a:xfrm>
-        </p:spPr>
-        <p:txBody>
-          <a:bodyPr>
-            <a:normAutofit/>
+          <p:cNvSpPr/>
+          <p:nvPr/>
+        </p:nvSpPr>
+        <p:spPr>
+          <a:xfrm>
+            <a:off x="3709249" y="6042721"/>
+            <a:ext cx="4762854" cy="523220"/>
+          </a:xfrm>
+          <a:prstGeom prst="rect">
+            <a:avLst/>
+          </a:prstGeom>
+        </p:spPr>
+        <p:txBody>
+          <a:bodyPr wrap="square">
+            <a:spAutoFit/>
           </a:bodyPr>
           <a:lstStyle/>
           <a:p>
             <a:r>
-              <a:rPr lang="en-US" sz="2400" dirty="0"/>
-              <a:t>In the top left corner the user can input the </a:t>
-            </a:r>
-            <a:r>
-              <a:rPr lang="en-US" sz="2400" dirty="0">
-                <a:solidFill>
-                  <a:srgbClr val="00B050"/>
-                </a:solidFill>
-              </a:rPr>
-              <a:t>short window </a:t>
-            </a:r>
-            <a:r>
-              <a:rPr lang="en-US" sz="2400" dirty="0"/>
-              <a:t>and </a:t>
-            </a:r>
-            <a:r>
-              <a:rPr lang="en-US" sz="2400" dirty="0">
-                <a:solidFill>
-                  <a:srgbClr val="FF0000"/>
-                </a:solidFill>
-              </a:rPr>
-              <a:t>long window </a:t>
-            </a:r>
-            <a:r>
-              <a:rPr lang="en-US" sz="2400" dirty="0"/>
-              <a:t>sizes</a:t>
-            </a:r>
-          </a:p>
-          <a:p>
-            <a:r>
-              <a:rPr lang="en-US" sz="2400" dirty="0"/>
-              <a:t>The user will also input the </a:t>
-            </a:r>
-            <a:r>
-              <a:rPr lang="en-US" sz="2400" dirty="0">
-                <a:solidFill>
-                  <a:srgbClr val="0070C0"/>
-                </a:solidFill>
-              </a:rPr>
-              <a:t>stock ticker</a:t>
-            </a:r>
-          </a:p>
-          <a:p>
-            <a:r>
-              <a:rPr lang="en-US" sz="2400" dirty="0"/>
-              <a:t>After inputting the above information, the user can press </a:t>
-            </a:r>
-            <a:r>
-              <a:rPr lang="en-US" sz="2400" dirty="0">
-                <a:solidFill>
-                  <a:srgbClr val="62D88C"/>
-                </a:solidFill>
-              </a:rPr>
-              <a:t>connect </a:t>
-            </a:r>
-            <a:r>
-              <a:rPr lang="en-US" sz="2400" dirty="0"/>
-              <a:t>to initiate a connection to TWS and the strategy will start running</a:t>
-            </a:r>
-          </a:p>
-          <a:p>
-            <a:r>
-              <a:rPr lang="en-US" sz="2400" dirty="0"/>
-              <a:t>The user can then hit </a:t>
-            </a:r>
-            <a:r>
-              <a:rPr lang="en-US" sz="2400" dirty="0">
-                <a:solidFill>
-                  <a:srgbClr val="FFDE75"/>
-                </a:solidFill>
-              </a:rPr>
-              <a:t>disconnect</a:t>
-            </a:r>
-            <a:r>
-              <a:rPr lang="en-US" sz="2400" dirty="0"/>
-              <a:t> which will stop the strategy and cancel all open orders</a:t>
-            </a:r>
-          </a:p>
-          <a:p>
-            <a:endParaRPr lang="en-US" sz="2400" dirty="0"/>
+              <a:rPr lang="en-US" sz="2800" dirty="0"/>
+              <a:t>Now let's dig into how it works!</a:t>
+            </a:r>
           </a:p>
         </p:txBody>
       </p:sp>
       <p:pic>
         <p:nvPicPr>
-          <p:cNvPr id="4" name="Picture 3">
+          <p:cNvPr id="5" name="Picture 4">
             <a:extLst>
               <a:ext uri="{FF2B5EF4-FFF2-40B4-BE49-F238E27FC236}">
-                <a16:creationId xmlns:a16="http://schemas.microsoft.com/office/drawing/2014/main" id="{E34C3CA2-4F57-4560-9964-0264CC265082}"/>
+                <a16:creationId xmlns:a16="http://schemas.microsoft.com/office/drawing/2014/main" id="{68D703B0-67DE-4D2B-9838-C226E8118990}"/>
               </a:ext>
             </a:extLst>
           </p:cNvPr>
@@ -9221,152 +10010,18 @@
         </p:blipFill>
         <p:spPr>
           <a:xfrm>
-            <a:off x="7038457" y="1833562"/>
-            <a:ext cx="4229100" cy="1133475"/>
+            <a:off x="2161320" y="1021271"/>
+            <a:ext cx="7858711" cy="4815458"/>
           </a:xfrm>
           <a:prstGeom prst="rect">
             <a:avLst/>
           </a:prstGeom>
         </p:spPr>
       </p:pic>
-      <p:pic>
-        <p:nvPicPr>
-          <p:cNvPr id="5" name="Picture 4">
-            <a:extLst>
-              <a:ext uri="{FF2B5EF4-FFF2-40B4-BE49-F238E27FC236}">
-                <a16:creationId xmlns:a16="http://schemas.microsoft.com/office/drawing/2014/main" id="{688E9E1A-0C05-47D1-B730-2C917616F1EA}"/>
-              </a:ext>
-            </a:extLst>
-          </p:cNvPr>
-          <p:cNvPicPr>
-            <a:picLocks noChangeAspect="1"/>
-          </p:cNvPicPr>
-          <p:nvPr/>
-        </p:nvPicPr>
-        <p:blipFill>
-          <a:blip r:embed="rId3"/>
-          <a:stretch>
-            <a:fillRect/>
-          </a:stretch>
-        </p:blipFill>
-        <p:spPr>
-          <a:xfrm>
-            <a:off x="6981305" y="4676774"/>
-            <a:ext cx="4343400" cy="609600"/>
-          </a:xfrm>
-          <a:prstGeom prst="rect">
-            <a:avLst/>
-          </a:prstGeom>
-        </p:spPr>
-      </p:pic>
-      <p:sp>
-        <p:nvSpPr>
-          <p:cNvPr id="6" name="Rectangle 5">
-            <a:extLst>
-              <a:ext uri="{FF2B5EF4-FFF2-40B4-BE49-F238E27FC236}">
-                <a16:creationId xmlns:a16="http://schemas.microsoft.com/office/drawing/2014/main" id="{A1F83529-2BDA-4A57-B741-1325509E0B66}"/>
-              </a:ext>
-            </a:extLst>
-          </p:cNvPr>
-          <p:cNvSpPr/>
-          <p:nvPr/>
-        </p:nvSpPr>
-        <p:spPr>
-          <a:xfrm>
-            <a:off x="6768865" y="1545430"/>
-            <a:ext cx="4768283" cy="1709737"/>
-          </a:xfrm>
-          <a:prstGeom prst="rect">
-            <a:avLst/>
-          </a:prstGeom>
-          <a:noFill/>
-          <a:ln>
-            <a:solidFill>
-              <a:schemeClr val="tx1"/>
-            </a:solidFill>
-          </a:ln>
-        </p:spPr>
-        <p:style>
-          <a:lnRef idx="2">
-            <a:schemeClr val="accent1">
-              <a:shade val="50000"/>
-            </a:schemeClr>
-          </a:lnRef>
-          <a:fillRef idx="1">
-            <a:schemeClr val="accent1"/>
-          </a:fillRef>
-          <a:effectRef idx="0">
-            <a:schemeClr val="accent1"/>
-          </a:effectRef>
-          <a:fontRef idx="minor">
-            <a:schemeClr val="lt1"/>
-          </a:fontRef>
-        </p:style>
-        <p:txBody>
-          <a:bodyPr rtlCol="0" anchor="ctr"/>
-          <a:lstStyle/>
-          <a:p>
-            <a:pPr algn="ctr"/>
-            <a:endParaRPr lang="en-US"/>
-          </a:p>
-        </p:txBody>
-      </p:sp>
-      <p:sp>
-        <p:nvSpPr>
-          <p:cNvPr id="7" name="Rectangle 6">
-            <a:extLst>
-              <a:ext uri="{FF2B5EF4-FFF2-40B4-BE49-F238E27FC236}">
-                <a16:creationId xmlns:a16="http://schemas.microsoft.com/office/drawing/2014/main" id="{93986685-1EEB-49B3-A430-8447CCD32883}"/>
-              </a:ext>
-            </a:extLst>
-          </p:cNvPr>
-          <p:cNvSpPr/>
-          <p:nvPr/>
-        </p:nvSpPr>
-        <p:spPr>
-          <a:xfrm>
-            <a:off x="6768865" y="4352924"/>
-            <a:ext cx="4768282" cy="1257300"/>
-          </a:xfrm>
-          <a:prstGeom prst="rect">
-            <a:avLst/>
-          </a:prstGeom>
-          <a:noFill/>
-          <a:ln>
-            <a:solidFill>
-              <a:schemeClr val="tx1"/>
-            </a:solidFill>
-          </a:ln>
-        </p:spPr>
-        <p:style>
-          <a:lnRef idx="2">
-            <a:schemeClr val="accent1">
-              <a:shade val="50000"/>
-            </a:schemeClr>
-          </a:lnRef>
-          <a:fillRef idx="1">
-            <a:schemeClr val="accent1"/>
-          </a:fillRef>
-          <a:effectRef idx="0">
-            <a:schemeClr val="accent1"/>
-          </a:effectRef>
-          <a:fontRef idx="minor">
-            <a:schemeClr val="lt1"/>
-          </a:fontRef>
-        </p:style>
-        <p:txBody>
-          <a:bodyPr rtlCol="0" anchor="ctr"/>
-          <a:lstStyle/>
-          <a:p>
-            <a:pPr algn="ctr"/>
-            <a:endParaRPr lang="en-US"/>
-          </a:p>
-        </p:txBody>
-      </p:sp>
     </p:spTree>
     <p:extLst>
       <p:ext uri="{BB962C8B-B14F-4D97-AF65-F5344CB8AC3E}">
-        <p14:creationId xmlns:p14="http://schemas.microsoft.com/office/powerpoint/2010/main" val="2339306828"/>
+        <p14:creationId xmlns:p14="http://schemas.microsoft.com/office/powerpoint/2010/main" val="2865385035"/>
       </p:ext>
     </p:extLst>
   </p:cSld>
